--- a/Atsiskaitymas/Projektinio pristatymas.pptx
+++ b/Atsiskaitymas/Projektinio pristatymas.pptx
@@ -11,8 +11,12 @@
     <p:sldId id="260" r:id="rId5"/>
     <p:sldId id="258" r:id="rId6"/>
     <p:sldId id="259" r:id="rId7"/>
-    <p:sldId id="262" r:id="rId8"/>
-    <p:sldId id="263" r:id="rId9"/>
+    <p:sldId id="264" r:id="rId8"/>
+    <p:sldId id="266" r:id="rId9"/>
+    <p:sldId id="262" r:id="rId10"/>
+    <p:sldId id="263" r:id="rId11"/>
+    <p:sldId id="265" r:id="rId12"/>
+    <p:sldId id="267" r:id="rId13"/>
   </p:sldIdLst>
   <p:sldSz cx="12192000" cy="6858000"/>
   <p:notesSz cx="6858000" cy="9144000"/>
@@ -111,6 +115,11 @@
       </a:defRPr>
     </a:lvl9pPr>
   </p:defaultTextStyle>
+  <p:extLst>
+    <p:ext uri="{EFAFB233-063F-42B5-8137-9DF3F51BA10A}">
+      <p15:sldGuideLst xmlns:p15="http://schemas.microsoft.com/office/powerpoint/2012/main"/>
+    </p:ext>
+  </p:extLst>
 </p:presentation>
 </file>
 
@@ -245,9 +254,9 @@
           <a:p>
             <a:fld id="{5B735DEA-2B13-4B05-9D8D-50970F55170F}" type="datetimeFigureOut">
               <a:rPr lang="lt-LT" smtClean="0"/>
-              <a:t>2020-02-17</a:t>
+              <a:t>2020-02-18</a:t>
             </a:fld>
-            <a:endParaRPr lang="lt-LT"/>
+            <a:endParaRPr lang="lt-LT" dirty="0"/>
           </a:p>
         </p:txBody>
       </p:sp>
@@ -266,7 +275,7 @@
           <a:bodyPr/>
           <a:lstStyle/>
           <a:p>
-            <a:endParaRPr lang="lt-LT"/>
+            <a:endParaRPr lang="lt-LT" dirty="0"/>
           </a:p>
         </p:txBody>
       </p:sp>
@@ -289,7 +298,7 @@
               <a:rPr lang="lt-LT" smtClean="0"/>
               <a:t>‹#›</a:t>
             </a:fld>
-            <a:endParaRPr lang="lt-LT"/>
+            <a:endParaRPr lang="lt-LT" dirty="0"/>
           </a:p>
         </p:txBody>
       </p:sp>
@@ -415,9 +424,9 @@
           <a:p>
             <a:fld id="{5B735DEA-2B13-4B05-9D8D-50970F55170F}" type="datetimeFigureOut">
               <a:rPr lang="lt-LT" smtClean="0"/>
-              <a:t>2020-02-17</a:t>
+              <a:t>2020-02-18</a:t>
             </a:fld>
-            <a:endParaRPr lang="lt-LT"/>
+            <a:endParaRPr lang="lt-LT" dirty="0"/>
           </a:p>
         </p:txBody>
       </p:sp>
@@ -436,7 +445,7 @@
           <a:bodyPr/>
           <a:lstStyle/>
           <a:p>
-            <a:endParaRPr lang="lt-LT"/>
+            <a:endParaRPr lang="lt-LT" dirty="0"/>
           </a:p>
         </p:txBody>
       </p:sp>
@@ -459,7 +468,7 @@
               <a:rPr lang="lt-LT" smtClean="0"/>
               <a:t>‹#›</a:t>
             </a:fld>
-            <a:endParaRPr lang="lt-LT"/>
+            <a:endParaRPr lang="lt-LT" dirty="0"/>
           </a:p>
         </p:txBody>
       </p:sp>
@@ -595,9 +604,9 @@
           <a:p>
             <a:fld id="{5B735DEA-2B13-4B05-9D8D-50970F55170F}" type="datetimeFigureOut">
               <a:rPr lang="lt-LT" smtClean="0"/>
-              <a:t>2020-02-17</a:t>
+              <a:t>2020-02-18</a:t>
             </a:fld>
-            <a:endParaRPr lang="lt-LT"/>
+            <a:endParaRPr lang="lt-LT" dirty="0"/>
           </a:p>
         </p:txBody>
       </p:sp>
@@ -616,7 +625,7 @@
           <a:bodyPr/>
           <a:lstStyle/>
           <a:p>
-            <a:endParaRPr lang="lt-LT"/>
+            <a:endParaRPr lang="lt-LT" dirty="0"/>
           </a:p>
         </p:txBody>
       </p:sp>
@@ -639,7 +648,7 @@
               <a:rPr lang="lt-LT" smtClean="0"/>
               <a:t>‹#›</a:t>
             </a:fld>
-            <a:endParaRPr lang="lt-LT"/>
+            <a:endParaRPr lang="lt-LT" dirty="0"/>
           </a:p>
         </p:txBody>
       </p:sp>
@@ -765,9 +774,9 @@
           <a:p>
             <a:fld id="{5B735DEA-2B13-4B05-9D8D-50970F55170F}" type="datetimeFigureOut">
               <a:rPr lang="lt-LT" smtClean="0"/>
-              <a:t>2020-02-17</a:t>
+              <a:t>2020-02-18</a:t>
             </a:fld>
-            <a:endParaRPr lang="lt-LT"/>
+            <a:endParaRPr lang="lt-LT" dirty="0"/>
           </a:p>
         </p:txBody>
       </p:sp>
@@ -786,7 +795,7 @@
           <a:bodyPr/>
           <a:lstStyle/>
           <a:p>
-            <a:endParaRPr lang="lt-LT"/>
+            <a:endParaRPr lang="lt-LT" dirty="0"/>
           </a:p>
         </p:txBody>
       </p:sp>
@@ -809,7 +818,7 @@
               <a:rPr lang="lt-LT" smtClean="0"/>
               <a:t>‹#›</a:t>
             </a:fld>
-            <a:endParaRPr lang="lt-LT"/>
+            <a:endParaRPr lang="lt-LT" dirty="0"/>
           </a:p>
         </p:txBody>
       </p:sp>
@@ -1011,9 +1020,9 @@
           <a:p>
             <a:fld id="{5B735DEA-2B13-4B05-9D8D-50970F55170F}" type="datetimeFigureOut">
               <a:rPr lang="lt-LT" smtClean="0"/>
-              <a:t>2020-02-17</a:t>
+              <a:t>2020-02-18</a:t>
             </a:fld>
-            <a:endParaRPr lang="lt-LT"/>
+            <a:endParaRPr lang="lt-LT" dirty="0"/>
           </a:p>
         </p:txBody>
       </p:sp>
@@ -1032,7 +1041,7 @@
           <a:bodyPr/>
           <a:lstStyle/>
           <a:p>
-            <a:endParaRPr lang="lt-LT"/>
+            <a:endParaRPr lang="lt-LT" dirty="0"/>
           </a:p>
         </p:txBody>
       </p:sp>
@@ -1055,7 +1064,7 @@
               <a:rPr lang="lt-LT" smtClean="0"/>
               <a:t>‹#›</a:t>
             </a:fld>
-            <a:endParaRPr lang="lt-LT"/>
+            <a:endParaRPr lang="lt-LT" dirty="0"/>
           </a:p>
         </p:txBody>
       </p:sp>
@@ -1243,9 +1252,9 @@
           <a:p>
             <a:fld id="{5B735DEA-2B13-4B05-9D8D-50970F55170F}" type="datetimeFigureOut">
               <a:rPr lang="lt-LT" smtClean="0"/>
-              <a:t>2020-02-17</a:t>
+              <a:t>2020-02-18</a:t>
             </a:fld>
-            <a:endParaRPr lang="lt-LT"/>
+            <a:endParaRPr lang="lt-LT" dirty="0"/>
           </a:p>
         </p:txBody>
       </p:sp>
@@ -1264,7 +1273,7 @@
           <a:bodyPr/>
           <a:lstStyle/>
           <a:p>
-            <a:endParaRPr lang="lt-LT"/>
+            <a:endParaRPr lang="lt-LT" dirty="0"/>
           </a:p>
         </p:txBody>
       </p:sp>
@@ -1287,7 +1296,7 @@
               <a:rPr lang="lt-LT" smtClean="0"/>
               <a:t>‹#›</a:t>
             </a:fld>
-            <a:endParaRPr lang="lt-LT"/>
+            <a:endParaRPr lang="lt-LT" dirty="0"/>
           </a:p>
         </p:txBody>
       </p:sp>
@@ -1610,9 +1619,9 @@
           <a:p>
             <a:fld id="{5B735DEA-2B13-4B05-9D8D-50970F55170F}" type="datetimeFigureOut">
               <a:rPr lang="lt-LT" smtClean="0"/>
-              <a:t>2020-02-17</a:t>
+              <a:t>2020-02-18</a:t>
             </a:fld>
-            <a:endParaRPr lang="lt-LT"/>
+            <a:endParaRPr lang="lt-LT" dirty="0"/>
           </a:p>
         </p:txBody>
       </p:sp>
@@ -1631,7 +1640,7 @@
           <a:bodyPr/>
           <a:lstStyle/>
           <a:p>
-            <a:endParaRPr lang="lt-LT"/>
+            <a:endParaRPr lang="lt-LT" dirty="0"/>
           </a:p>
         </p:txBody>
       </p:sp>
@@ -1654,7 +1663,7 @@
               <a:rPr lang="lt-LT" smtClean="0"/>
               <a:t>‹#›</a:t>
             </a:fld>
-            <a:endParaRPr lang="lt-LT"/>
+            <a:endParaRPr lang="lt-LT" dirty="0"/>
           </a:p>
         </p:txBody>
       </p:sp>
@@ -1728,9 +1737,9 @@
           <a:p>
             <a:fld id="{5B735DEA-2B13-4B05-9D8D-50970F55170F}" type="datetimeFigureOut">
               <a:rPr lang="lt-LT" smtClean="0"/>
-              <a:t>2020-02-17</a:t>
+              <a:t>2020-02-18</a:t>
             </a:fld>
-            <a:endParaRPr lang="lt-LT"/>
+            <a:endParaRPr lang="lt-LT" dirty="0"/>
           </a:p>
         </p:txBody>
       </p:sp>
@@ -1749,7 +1758,7 @@
           <a:bodyPr/>
           <a:lstStyle/>
           <a:p>
-            <a:endParaRPr lang="lt-LT"/>
+            <a:endParaRPr lang="lt-LT" dirty="0"/>
           </a:p>
         </p:txBody>
       </p:sp>
@@ -1772,7 +1781,7 @@
               <a:rPr lang="lt-LT" smtClean="0"/>
               <a:t>‹#›</a:t>
             </a:fld>
-            <a:endParaRPr lang="lt-LT"/>
+            <a:endParaRPr lang="lt-LT" dirty="0"/>
           </a:p>
         </p:txBody>
       </p:sp>
@@ -1823,9 +1832,9 @@
           <a:p>
             <a:fld id="{5B735DEA-2B13-4B05-9D8D-50970F55170F}" type="datetimeFigureOut">
               <a:rPr lang="lt-LT" smtClean="0"/>
-              <a:t>2020-02-17</a:t>
+              <a:t>2020-02-18</a:t>
             </a:fld>
-            <a:endParaRPr lang="lt-LT"/>
+            <a:endParaRPr lang="lt-LT" dirty="0"/>
           </a:p>
         </p:txBody>
       </p:sp>
@@ -1844,7 +1853,7 @@
           <a:bodyPr/>
           <a:lstStyle/>
           <a:p>
-            <a:endParaRPr lang="lt-LT"/>
+            <a:endParaRPr lang="lt-LT" dirty="0"/>
           </a:p>
         </p:txBody>
       </p:sp>
@@ -1867,7 +1876,7 @@
               <a:rPr lang="lt-LT" smtClean="0"/>
               <a:t>‹#›</a:t>
             </a:fld>
-            <a:endParaRPr lang="lt-LT"/>
+            <a:endParaRPr lang="lt-LT" dirty="0"/>
           </a:p>
         </p:txBody>
       </p:sp>
@@ -2100,9 +2109,9 @@
           <a:p>
             <a:fld id="{5B735DEA-2B13-4B05-9D8D-50970F55170F}" type="datetimeFigureOut">
               <a:rPr lang="lt-LT" smtClean="0"/>
-              <a:t>2020-02-17</a:t>
+              <a:t>2020-02-18</a:t>
             </a:fld>
-            <a:endParaRPr lang="lt-LT"/>
+            <a:endParaRPr lang="lt-LT" dirty="0"/>
           </a:p>
         </p:txBody>
       </p:sp>
@@ -2121,7 +2130,7 @@
           <a:bodyPr/>
           <a:lstStyle/>
           <a:p>
-            <a:endParaRPr lang="lt-LT"/>
+            <a:endParaRPr lang="lt-LT" dirty="0"/>
           </a:p>
         </p:txBody>
       </p:sp>
@@ -2144,7 +2153,7 @@
               <a:rPr lang="lt-LT" smtClean="0"/>
               <a:t>‹#›</a:t>
             </a:fld>
-            <a:endParaRPr lang="lt-LT"/>
+            <a:endParaRPr lang="lt-LT" dirty="0"/>
           </a:p>
         </p:txBody>
       </p:sp>
@@ -2267,7 +2276,7 @@
             </a:lvl9pPr>
           </a:lstStyle>
           <a:p>
-            <a:endParaRPr lang="lt-LT"/>
+            <a:endParaRPr lang="lt-LT" dirty="0"/>
           </a:p>
         </p:txBody>
       </p:sp>
@@ -2353,9 +2362,9 @@
           <a:p>
             <a:fld id="{5B735DEA-2B13-4B05-9D8D-50970F55170F}" type="datetimeFigureOut">
               <a:rPr lang="lt-LT" smtClean="0"/>
-              <a:t>2020-02-17</a:t>
+              <a:t>2020-02-18</a:t>
             </a:fld>
-            <a:endParaRPr lang="lt-LT"/>
+            <a:endParaRPr lang="lt-LT" dirty="0"/>
           </a:p>
         </p:txBody>
       </p:sp>
@@ -2374,7 +2383,7 @@
           <a:bodyPr/>
           <a:lstStyle/>
           <a:p>
-            <a:endParaRPr lang="lt-LT"/>
+            <a:endParaRPr lang="lt-LT" dirty="0"/>
           </a:p>
         </p:txBody>
       </p:sp>
@@ -2397,7 +2406,7 @@
               <a:rPr lang="lt-LT" smtClean="0"/>
               <a:t>‹#›</a:t>
             </a:fld>
-            <a:endParaRPr lang="lt-LT"/>
+            <a:endParaRPr lang="lt-LT" dirty="0"/>
           </a:p>
         </p:txBody>
       </p:sp>
@@ -2566,9 +2575,9 @@
           <a:p>
             <a:fld id="{5B735DEA-2B13-4B05-9D8D-50970F55170F}" type="datetimeFigureOut">
               <a:rPr lang="lt-LT" smtClean="0"/>
-              <a:t>2020-02-17</a:t>
+              <a:t>2020-02-18</a:t>
             </a:fld>
-            <a:endParaRPr lang="lt-LT"/>
+            <a:endParaRPr lang="lt-LT" dirty="0"/>
           </a:p>
         </p:txBody>
       </p:sp>
@@ -2605,7 +2614,7 @@
             </a:lvl1pPr>
           </a:lstStyle>
           <a:p>
-            <a:endParaRPr lang="lt-LT"/>
+            <a:endParaRPr lang="lt-LT" dirty="0"/>
           </a:p>
         </p:txBody>
       </p:sp>
@@ -2646,7 +2655,7 @@
               <a:rPr lang="lt-LT" smtClean="0"/>
               <a:t>‹#›</a:t>
             </a:fld>
-            <a:endParaRPr lang="lt-LT"/>
+            <a:endParaRPr lang="lt-LT" dirty="0"/>
           </a:p>
         </p:txBody>
       </p:sp>
@@ -2971,74 +2980,6 @@
           <a:chExt cx="0" cy="0"/>
         </a:xfrm>
       </p:grpSpPr>
-      <p:sp>
-        <p:nvSpPr>
-          <p:cNvPr id="2" name="Title 1"/>
-          <p:cNvSpPr>
-            <a:spLocks noGrp="1"/>
-          </p:cNvSpPr>
-          <p:nvPr>
-            <p:ph type="ctrTitle"/>
-          </p:nvPr>
-        </p:nvSpPr>
-        <p:spPr/>
-        <p:txBody>
-          <a:bodyPr>
-            <a:noAutofit/>
-          </a:bodyPr>
-          <a:lstStyle/>
-          <a:p>
-            <a:r>
-              <a:rPr lang="lt-LT" sz="4400" dirty="0" smtClean="0">
-                <a:effectLst/>
-              </a:rPr>
-              <a:t>Paieškos proceso ir jos rezultatų pateikimo vartotojams </a:t>
-            </a:r>
-            <a:r>
-              <a:rPr lang="lt-LT" sz="4400" dirty="0" err="1" smtClean="0">
-                <a:effectLst/>
-              </a:rPr>
-              <a:t>panaudojamumas</a:t>
-            </a:r>
-            <a:r>
-              <a:rPr lang="lt-LT" sz="4400" dirty="0" smtClean="0">
-                <a:effectLst/>
-              </a:rPr>
-              <a:t> VUL Santaros klinikų tinklalapyje</a:t>
-            </a:r>
-            <a:endParaRPr lang="lt-LT" sz="4400" dirty="0"/>
-          </a:p>
-        </p:txBody>
-      </p:sp>
-      <p:sp>
-        <p:nvSpPr>
-          <p:cNvPr id="3" name="Subtitle 2"/>
-          <p:cNvSpPr>
-            <a:spLocks noGrp="1"/>
-          </p:cNvSpPr>
-          <p:nvPr>
-            <p:ph type="subTitle" idx="1"/>
-          </p:nvPr>
-        </p:nvSpPr>
-        <p:spPr/>
-        <p:txBody>
-          <a:bodyPr/>
-          <a:lstStyle/>
-          <a:p>
-            <a:r>
-              <a:rPr lang="en-US" dirty="0" smtClean="0"/>
-              <a:t>Studentas –  Tomas Kiziela</a:t>
-            </a:r>
-          </a:p>
-          <a:p>
-            <a:r>
-              <a:rPr lang="en-US" dirty="0" smtClean="0"/>
-              <a:t>Vadovė – doc. Kristina Lapin</a:t>
-            </a:r>
-            <a:endParaRPr lang="lt-LT" dirty="0"/>
-          </a:p>
-        </p:txBody>
-      </p:sp>
       <p:pic>
         <p:nvPicPr>
           <p:cNvPr id="1026" name="Picture 2" descr="Image result for vu herbas"/>
@@ -3080,6 +3021,308 @@
           </a:extLst>
         </p:spPr>
       </p:pic>
+      <p:sp>
+        <p:nvSpPr>
+          <p:cNvPr id="7" name="Title 1"/>
+          <p:cNvSpPr>
+            <a:spLocks noGrp="1"/>
+          </p:cNvSpPr>
+          <p:nvPr>
+            <p:ph type="ctrTitle"/>
+          </p:nvPr>
+        </p:nvSpPr>
+        <p:spPr>
+          <a:xfrm>
+            <a:off x="1524000" y="1532278"/>
+            <a:ext cx="9144000" cy="2387600"/>
+          </a:xfrm>
+        </p:spPr>
+        <p:txBody>
+          <a:bodyPr>
+            <a:noAutofit/>
+          </a:bodyPr>
+          <a:lstStyle/>
+          <a:p>
+            <a:r>
+              <a:rPr lang="lt-LT" sz="4000" b="1" dirty="0"/>
+              <a:t>Paieškos proceso ir jos rezultatų pateikimo</a:t>
+            </a:r>
+            <a:br>
+              <a:rPr lang="lt-LT" sz="4000" b="1" dirty="0"/>
+            </a:br>
+            <a:r>
+              <a:rPr lang="lt-LT" sz="4000" b="1" dirty="0"/>
+              <a:t>vartotojams panaudojamumas VUL Santaros</a:t>
+            </a:r>
+            <a:br>
+              <a:rPr lang="lt-LT" sz="4000" b="1" dirty="0"/>
+            </a:br>
+            <a:r>
+              <a:rPr lang="lt-LT" sz="4000" b="1" dirty="0" smtClean="0"/>
+              <a:t>klinikų </a:t>
+            </a:r>
+            <a:r>
+              <a:rPr lang="en-US" sz="4000" b="1" dirty="0" smtClean="0"/>
+              <a:t>tink</a:t>
+            </a:r>
+            <a:r>
+              <a:rPr lang="en-US" sz="4000" b="1" dirty="0" smtClean="0"/>
+              <a:t>lapyje</a:t>
+            </a:r>
+            <a:endParaRPr lang="lt-LT" sz="4000" dirty="0"/>
+          </a:p>
+        </p:txBody>
+      </p:sp>
+      <p:sp>
+        <p:nvSpPr>
+          <p:cNvPr id="8" name="Subtitle 2"/>
+          <p:cNvSpPr>
+            <a:spLocks noGrp="1"/>
+          </p:cNvSpPr>
+          <p:nvPr>
+            <p:ph type="subTitle" idx="1"/>
+          </p:nvPr>
+        </p:nvSpPr>
+        <p:spPr>
+          <a:xfrm>
+            <a:off x="1524000" y="4469167"/>
+            <a:ext cx="4577255" cy="1655762"/>
+          </a:xfrm>
+        </p:spPr>
+        <p:txBody>
+          <a:bodyPr/>
+          <a:lstStyle/>
+          <a:p>
+            <a:r>
+              <a:rPr lang="en-US" dirty="0" smtClean="0"/>
+              <a:t>Atliko:</a:t>
+            </a:r>
+          </a:p>
+          <a:p>
+            <a:r>
+              <a:rPr lang="en-US" dirty="0" smtClean="0"/>
+              <a:t>PS 4 </a:t>
+            </a:r>
+            <a:r>
+              <a:rPr lang="en-US" dirty="0" smtClean="0"/>
+              <a:t>kurso 3 grupės studentas</a:t>
+            </a:r>
+          </a:p>
+          <a:p>
+            <a:r>
+              <a:rPr lang="en-US" dirty="0" smtClean="0"/>
+              <a:t>Tomas Kiziela</a:t>
+            </a:r>
+            <a:endParaRPr lang="lt-LT" dirty="0"/>
+          </a:p>
+        </p:txBody>
+      </p:sp>
+      <p:sp>
+        <p:nvSpPr>
+          <p:cNvPr id="9" name="Subtitle 2"/>
+          <p:cNvSpPr txBox="1">
+            <a:spLocks/>
+          </p:cNvSpPr>
+          <p:nvPr/>
+        </p:nvSpPr>
+        <p:spPr>
+          <a:xfrm>
+            <a:off x="6090745" y="4469167"/>
+            <a:ext cx="4577255" cy="1655762"/>
+          </a:xfrm>
+          <a:prstGeom prst="rect">
+            <a:avLst/>
+          </a:prstGeom>
+        </p:spPr>
+        <p:txBody>
+          <a:bodyPr vert="horz" lIns="91440" tIns="45720" rIns="91440" bIns="45720" rtlCol="0">
+            <a:normAutofit/>
+          </a:bodyPr>
+          <a:lstStyle>
+            <a:lvl1pPr marL="0" indent="0" algn="ctr" defTabSz="914400" rtl="0" eaLnBrk="1" latinLnBrk="0" hangingPunct="1">
+              <a:lnSpc>
+                <a:spcPct val="90000"/>
+              </a:lnSpc>
+              <a:spcBef>
+                <a:spcPts val="1000"/>
+              </a:spcBef>
+              <a:buFont typeface="Arial" panose="020B0604020202020204" pitchFamily="34" charset="0"/>
+              <a:buNone/>
+              <a:defRPr sz="2400" kern="1200">
+                <a:solidFill>
+                  <a:schemeClr val="tx1"/>
+                </a:solidFill>
+                <a:latin typeface="+mn-lt"/>
+                <a:ea typeface="+mn-ea"/>
+                <a:cs typeface="+mn-cs"/>
+              </a:defRPr>
+            </a:lvl1pPr>
+            <a:lvl2pPr marL="457200" indent="0" algn="ctr" defTabSz="914400" rtl="0" eaLnBrk="1" latinLnBrk="0" hangingPunct="1">
+              <a:lnSpc>
+                <a:spcPct val="90000"/>
+              </a:lnSpc>
+              <a:spcBef>
+                <a:spcPts val="500"/>
+              </a:spcBef>
+              <a:buFont typeface="Arial" panose="020B0604020202020204" pitchFamily="34" charset="0"/>
+              <a:buNone/>
+              <a:defRPr sz="2000" kern="1200">
+                <a:solidFill>
+                  <a:schemeClr val="tx1"/>
+                </a:solidFill>
+                <a:latin typeface="+mn-lt"/>
+                <a:ea typeface="+mn-ea"/>
+                <a:cs typeface="+mn-cs"/>
+              </a:defRPr>
+            </a:lvl2pPr>
+            <a:lvl3pPr marL="914400" indent="0" algn="ctr" defTabSz="914400" rtl="0" eaLnBrk="1" latinLnBrk="0" hangingPunct="1">
+              <a:lnSpc>
+                <a:spcPct val="90000"/>
+              </a:lnSpc>
+              <a:spcBef>
+                <a:spcPts val="500"/>
+              </a:spcBef>
+              <a:buFont typeface="Arial" panose="020B0604020202020204" pitchFamily="34" charset="0"/>
+              <a:buNone/>
+              <a:defRPr sz="1800" kern="1200">
+                <a:solidFill>
+                  <a:schemeClr val="tx1"/>
+                </a:solidFill>
+                <a:latin typeface="+mn-lt"/>
+                <a:ea typeface="+mn-ea"/>
+                <a:cs typeface="+mn-cs"/>
+              </a:defRPr>
+            </a:lvl3pPr>
+            <a:lvl4pPr marL="1371600" indent="0" algn="ctr" defTabSz="914400" rtl="0" eaLnBrk="1" latinLnBrk="0" hangingPunct="1">
+              <a:lnSpc>
+                <a:spcPct val="90000"/>
+              </a:lnSpc>
+              <a:spcBef>
+                <a:spcPts val="500"/>
+              </a:spcBef>
+              <a:buFont typeface="Arial" panose="020B0604020202020204" pitchFamily="34" charset="0"/>
+              <a:buNone/>
+              <a:defRPr sz="1600" kern="1200">
+                <a:solidFill>
+                  <a:schemeClr val="tx1"/>
+                </a:solidFill>
+                <a:latin typeface="+mn-lt"/>
+                <a:ea typeface="+mn-ea"/>
+                <a:cs typeface="+mn-cs"/>
+              </a:defRPr>
+            </a:lvl4pPr>
+            <a:lvl5pPr marL="1828800" indent="0" algn="ctr" defTabSz="914400" rtl="0" eaLnBrk="1" latinLnBrk="0" hangingPunct="1">
+              <a:lnSpc>
+                <a:spcPct val="90000"/>
+              </a:lnSpc>
+              <a:spcBef>
+                <a:spcPts val="500"/>
+              </a:spcBef>
+              <a:buFont typeface="Arial" panose="020B0604020202020204" pitchFamily="34" charset="0"/>
+              <a:buNone/>
+              <a:defRPr sz="1600" kern="1200">
+                <a:solidFill>
+                  <a:schemeClr val="tx1"/>
+                </a:solidFill>
+                <a:latin typeface="+mn-lt"/>
+                <a:ea typeface="+mn-ea"/>
+                <a:cs typeface="+mn-cs"/>
+              </a:defRPr>
+            </a:lvl5pPr>
+            <a:lvl6pPr marL="2286000" indent="0" algn="ctr" defTabSz="914400" rtl="0" eaLnBrk="1" latinLnBrk="0" hangingPunct="1">
+              <a:lnSpc>
+                <a:spcPct val="90000"/>
+              </a:lnSpc>
+              <a:spcBef>
+                <a:spcPts val="500"/>
+              </a:spcBef>
+              <a:buFont typeface="Arial" panose="020B0604020202020204" pitchFamily="34" charset="0"/>
+              <a:buNone/>
+              <a:defRPr sz="1600" kern="1200">
+                <a:solidFill>
+                  <a:schemeClr val="tx1"/>
+                </a:solidFill>
+                <a:latin typeface="+mn-lt"/>
+                <a:ea typeface="+mn-ea"/>
+                <a:cs typeface="+mn-cs"/>
+              </a:defRPr>
+            </a:lvl6pPr>
+            <a:lvl7pPr marL="2743200" indent="0" algn="ctr" defTabSz="914400" rtl="0" eaLnBrk="1" latinLnBrk="0" hangingPunct="1">
+              <a:lnSpc>
+                <a:spcPct val="90000"/>
+              </a:lnSpc>
+              <a:spcBef>
+                <a:spcPts val="500"/>
+              </a:spcBef>
+              <a:buFont typeface="Arial" panose="020B0604020202020204" pitchFamily="34" charset="0"/>
+              <a:buNone/>
+              <a:defRPr sz="1600" kern="1200">
+                <a:solidFill>
+                  <a:schemeClr val="tx1"/>
+                </a:solidFill>
+                <a:latin typeface="+mn-lt"/>
+                <a:ea typeface="+mn-ea"/>
+                <a:cs typeface="+mn-cs"/>
+              </a:defRPr>
+            </a:lvl7pPr>
+            <a:lvl8pPr marL="3200400" indent="0" algn="ctr" defTabSz="914400" rtl="0" eaLnBrk="1" latinLnBrk="0" hangingPunct="1">
+              <a:lnSpc>
+                <a:spcPct val="90000"/>
+              </a:lnSpc>
+              <a:spcBef>
+                <a:spcPts val="500"/>
+              </a:spcBef>
+              <a:buFont typeface="Arial" panose="020B0604020202020204" pitchFamily="34" charset="0"/>
+              <a:buNone/>
+              <a:defRPr sz="1600" kern="1200">
+                <a:solidFill>
+                  <a:schemeClr val="tx1"/>
+                </a:solidFill>
+                <a:latin typeface="+mn-lt"/>
+                <a:ea typeface="+mn-ea"/>
+                <a:cs typeface="+mn-cs"/>
+              </a:defRPr>
+            </a:lvl8pPr>
+            <a:lvl9pPr marL="3657600" indent="0" algn="ctr" defTabSz="914400" rtl="0" eaLnBrk="1" latinLnBrk="0" hangingPunct="1">
+              <a:lnSpc>
+                <a:spcPct val="90000"/>
+              </a:lnSpc>
+              <a:spcBef>
+                <a:spcPts val="500"/>
+              </a:spcBef>
+              <a:buFont typeface="Arial" panose="020B0604020202020204" pitchFamily="34" charset="0"/>
+              <a:buNone/>
+              <a:defRPr sz="1600" kern="1200">
+                <a:solidFill>
+                  <a:schemeClr val="tx1"/>
+                </a:solidFill>
+                <a:latin typeface="+mn-lt"/>
+                <a:ea typeface="+mn-ea"/>
+                <a:cs typeface="+mn-cs"/>
+              </a:defRPr>
+            </a:lvl9pPr>
+          </a:lstStyle>
+          <a:p>
+            <a:r>
+              <a:rPr lang="en-US" dirty="0" smtClean="0"/>
+              <a:t>Darbo vadovė:</a:t>
+            </a:r>
+          </a:p>
+          <a:p>
+            <a:r>
+              <a:rPr lang="en-US" dirty="0" smtClean="0"/>
+              <a:t>Docentė</a:t>
+            </a:r>
+          </a:p>
+          <a:p>
+            <a:r>
+              <a:rPr lang="en-US" dirty="0" smtClean="0"/>
+              <a:t>Kristina Lapin</a:t>
+            </a:r>
+            <a:endParaRPr lang="lt-LT" dirty="0"/>
+          </a:p>
+        </p:txBody>
+      </p:sp>
     </p:spTree>
     <p:extLst>
       <p:ext uri="{BB962C8B-B14F-4D97-AF65-F5344CB8AC3E}">
@@ -3100,6 +3343,284 @@
 </p:sld>
 </file>
 
+<file path=ppt/slides/slide10.xml><?xml version="1.0" encoding="utf-8"?>
+<p:sld xmlns:a="http://schemas.openxmlformats.org/drawingml/2006/main" xmlns:r="http://schemas.openxmlformats.org/officeDocument/2006/relationships" xmlns:p="http://schemas.openxmlformats.org/presentationml/2006/main">
+  <p:cSld>
+    <p:spTree>
+      <p:nvGrpSpPr>
+        <p:cNvPr id="1" name=""/>
+        <p:cNvGrpSpPr/>
+        <p:nvPr/>
+      </p:nvGrpSpPr>
+      <p:grpSpPr>
+        <a:xfrm>
+          <a:off x="0" y="0"/>
+          <a:ext cx="0" cy="0"/>
+          <a:chOff x="0" y="0"/>
+          <a:chExt cx="0" cy="0"/>
+        </a:xfrm>
+      </p:grpSpPr>
+      <p:sp>
+        <p:nvSpPr>
+          <p:cNvPr id="2" name="Title 1"/>
+          <p:cNvSpPr>
+            <a:spLocks noGrp="1"/>
+          </p:cNvSpPr>
+          <p:nvPr>
+            <p:ph type="title"/>
+          </p:nvPr>
+        </p:nvSpPr>
+        <p:spPr/>
+        <p:txBody>
+          <a:bodyPr/>
+          <a:lstStyle/>
+          <a:p>
+            <a:r>
+              <a:rPr lang="en-US" dirty="0" smtClean="0"/>
+              <a:t>Serverio modelis</a:t>
+            </a:r>
+            <a:endParaRPr lang="lt-LT" dirty="0"/>
+          </a:p>
+        </p:txBody>
+      </p:sp>
+      <p:sp>
+        <p:nvSpPr>
+          <p:cNvPr id="3" name="Content Placeholder 2"/>
+          <p:cNvSpPr>
+            <a:spLocks noGrp="1"/>
+          </p:cNvSpPr>
+          <p:nvPr>
+            <p:ph idx="1"/>
+          </p:nvPr>
+        </p:nvSpPr>
+        <p:spPr/>
+        <p:txBody>
+          <a:bodyPr/>
+          <a:lstStyle/>
+          <a:p>
+            <a:r>
+              <a:rPr lang="en-US" dirty="0" smtClean="0"/>
+              <a:t>Iš reikalavimų paieškos sistemai ir projektavimo gairių nekyla griežti reikalavimai tinklapio serveriui</a:t>
+            </a:r>
+            <a:endParaRPr lang="en-US" dirty="0" smtClean="0"/>
+          </a:p>
+          <a:p>
+            <a:r>
+              <a:rPr lang="en-US" dirty="0" smtClean="0"/>
+              <a:t>Rekomenduojama </a:t>
+            </a:r>
+            <a:r>
+              <a:rPr lang="en-US" dirty="0" smtClean="0"/>
+              <a:t>naudoti MVC modelį</a:t>
+            </a:r>
+          </a:p>
+          <a:p>
+            <a:endParaRPr lang="lt-LT" dirty="0"/>
+          </a:p>
+        </p:txBody>
+      </p:sp>
+    </p:spTree>
+    <p:extLst>
+      <p:ext uri="{BB962C8B-B14F-4D97-AF65-F5344CB8AC3E}">
+        <p14:creationId xmlns:p14="http://schemas.microsoft.com/office/powerpoint/2010/main" val="3875170469"/>
+      </p:ext>
+    </p:extLst>
+  </p:cSld>
+  <p:clrMapOvr>
+    <a:masterClrMapping/>
+  </p:clrMapOvr>
+</p:sld>
+</file>
+
+<file path=ppt/slides/slide11.xml><?xml version="1.0" encoding="utf-8"?>
+<p:sld xmlns:a="http://schemas.openxmlformats.org/drawingml/2006/main" xmlns:r="http://schemas.openxmlformats.org/officeDocument/2006/relationships" xmlns:p="http://schemas.openxmlformats.org/presentationml/2006/main">
+  <p:cSld>
+    <p:spTree>
+      <p:nvGrpSpPr>
+        <p:cNvPr id="1" name=""/>
+        <p:cNvGrpSpPr/>
+        <p:nvPr/>
+      </p:nvGrpSpPr>
+      <p:grpSpPr>
+        <a:xfrm>
+          <a:off x="0" y="0"/>
+          <a:ext cx="0" cy="0"/>
+          <a:chOff x="0" y="0"/>
+          <a:chExt cx="0" cy="0"/>
+        </a:xfrm>
+      </p:grpSpPr>
+      <p:sp>
+        <p:nvSpPr>
+          <p:cNvPr id="2" name="Title 1"/>
+          <p:cNvSpPr>
+            <a:spLocks noGrp="1"/>
+          </p:cNvSpPr>
+          <p:nvPr>
+            <p:ph type="title"/>
+          </p:nvPr>
+        </p:nvSpPr>
+        <p:spPr/>
+        <p:txBody>
+          <a:bodyPr/>
+          <a:lstStyle/>
+          <a:p>
+            <a:r>
+              <a:rPr lang="en-US" dirty="0" smtClean="0"/>
+              <a:t>Rezultatai</a:t>
+            </a:r>
+            <a:endParaRPr lang="lt-LT" dirty="0"/>
+          </a:p>
+        </p:txBody>
+      </p:sp>
+      <p:sp>
+        <p:nvSpPr>
+          <p:cNvPr id="3" name="Content Placeholder 2"/>
+          <p:cNvSpPr>
+            <a:spLocks noGrp="1"/>
+          </p:cNvSpPr>
+          <p:nvPr>
+            <p:ph idx="1"/>
+          </p:nvPr>
+        </p:nvSpPr>
+        <p:spPr/>
+        <p:txBody>
+          <a:bodyPr/>
+          <a:lstStyle/>
+          <a:p>
+            <a:r>
+              <a:rPr lang="en-US" dirty="0" smtClean="0"/>
+              <a:t>Apibrėžti reikalavimai paieškos sistemai</a:t>
+            </a:r>
+          </a:p>
+          <a:p>
+            <a:r>
+              <a:rPr lang="en-US" dirty="0" smtClean="0"/>
+              <a:t>Apibrėžtos projektavimo gairės navigacijos ir informacijos architektūrai</a:t>
+            </a:r>
+          </a:p>
+          <a:p>
+            <a:r>
+              <a:rPr lang="en-US" dirty="0" smtClean="0"/>
+              <a:t>Suprojektuota puslapių architektūra</a:t>
+            </a:r>
+          </a:p>
+          <a:p>
+            <a:r>
+              <a:rPr lang="en-US" dirty="0" smtClean="0"/>
+              <a:t>Suprojektuotas navigacijos meniu</a:t>
+            </a:r>
+          </a:p>
+          <a:p>
+            <a:r>
+              <a:rPr lang="en-US" dirty="0" smtClean="0"/>
+              <a:t>Parinktas serverio modelis</a:t>
+            </a:r>
+            <a:endParaRPr lang="lt-LT" dirty="0"/>
+          </a:p>
+        </p:txBody>
+      </p:sp>
+    </p:spTree>
+    <p:extLst>
+      <p:ext uri="{BB962C8B-B14F-4D97-AF65-F5344CB8AC3E}">
+        <p14:creationId xmlns:p14="http://schemas.microsoft.com/office/powerpoint/2010/main" val="2945916506"/>
+      </p:ext>
+    </p:extLst>
+  </p:cSld>
+  <p:clrMapOvr>
+    <a:masterClrMapping/>
+  </p:clrMapOvr>
+</p:sld>
+</file>
+
+<file path=ppt/slides/slide12.xml><?xml version="1.0" encoding="utf-8"?>
+<p:sld xmlns:a="http://schemas.openxmlformats.org/drawingml/2006/main" xmlns:r="http://schemas.openxmlformats.org/officeDocument/2006/relationships" xmlns:p="http://schemas.openxmlformats.org/presentationml/2006/main">
+  <p:cSld>
+    <p:spTree>
+      <p:nvGrpSpPr>
+        <p:cNvPr id="1" name=""/>
+        <p:cNvGrpSpPr/>
+        <p:nvPr/>
+      </p:nvGrpSpPr>
+      <p:grpSpPr>
+        <a:xfrm>
+          <a:off x="0" y="0"/>
+          <a:ext cx="0" cy="0"/>
+          <a:chOff x="0" y="0"/>
+          <a:chExt cx="0" cy="0"/>
+        </a:xfrm>
+      </p:grpSpPr>
+      <p:sp>
+        <p:nvSpPr>
+          <p:cNvPr id="2" name="Title 1"/>
+          <p:cNvSpPr>
+            <a:spLocks noGrp="1"/>
+          </p:cNvSpPr>
+          <p:nvPr>
+            <p:ph type="title"/>
+          </p:nvPr>
+        </p:nvSpPr>
+        <p:spPr/>
+        <p:txBody>
+          <a:bodyPr/>
+          <a:lstStyle/>
+          <a:p>
+            <a:r>
+              <a:rPr lang="en-US" dirty="0" smtClean="0"/>
+              <a:t>Išvados</a:t>
+            </a:r>
+            <a:endParaRPr lang="lt-LT" dirty="0"/>
+          </a:p>
+        </p:txBody>
+      </p:sp>
+      <p:sp>
+        <p:nvSpPr>
+          <p:cNvPr id="3" name="Content Placeholder 2"/>
+          <p:cNvSpPr>
+            <a:spLocks noGrp="1"/>
+          </p:cNvSpPr>
+          <p:nvPr>
+            <p:ph idx="1"/>
+          </p:nvPr>
+        </p:nvSpPr>
+        <p:spPr/>
+        <p:txBody>
+          <a:bodyPr/>
+          <a:lstStyle/>
+          <a:p>
+            <a:r>
+              <a:rPr lang="en-US" dirty="0" smtClean="0"/>
+              <a:t>Tinklapio navigacijos meniu sprendimas (vertikalus ar horizontalus) priklauso nuo konteksto. Šiuo atveju labiau tinka vertikalus meniu, nes navigacijos meniu turi daug kategorijų.</a:t>
+            </a:r>
+          </a:p>
+          <a:p>
+            <a:endParaRPr lang="en-US" dirty="0"/>
+          </a:p>
+          <a:p>
+            <a:r>
+              <a:rPr lang="en-US" dirty="0" smtClean="0"/>
+              <a:t>Navigacijos meniu tampa paprastesnis sumažinus </a:t>
+            </a:r>
+            <a:r>
+              <a:rPr lang="en-US" smtClean="0"/>
+              <a:t>lygių skaičių.</a:t>
+            </a:r>
+            <a:endParaRPr lang="lt-LT" dirty="0"/>
+          </a:p>
+        </p:txBody>
+      </p:sp>
+    </p:spTree>
+    <p:extLst>
+      <p:ext uri="{BB962C8B-B14F-4D97-AF65-F5344CB8AC3E}">
+        <p14:creationId xmlns:p14="http://schemas.microsoft.com/office/powerpoint/2010/main" val="3993838340"/>
+      </p:ext>
+    </p:extLst>
+  </p:cSld>
+  <p:clrMapOvr>
+    <a:masterClrMapping/>
+  </p:clrMapOvr>
+</p:sld>
+</file>
+
 <file path=ppt/slides/slide2.xml><?xml version="1.0" encoding="utf-8"?>
 <p:sld xmlns:a="http://schemas.openxmlformats.org/drawingml/2006/main" xmlns:r="http://schemas.openxmlformats.org/officeDocument/2006/relationships" xmlns:p="http://schemas.openxmlformats.org/presentationml/2006/main">
   <p:cSld>
@@ -3134,7 +3655,7 @@
           <a:p>
             <a:r>
               <a:rPr lang="en-US" dirty="0" smtClean="0"/>
-              <a:t>Įžanga</a:t>
+              <a:t>Įvadas</a:t>
             </a:r>
             <a:endParaRPr lang="lt-LT" dirty="0"/>
           </a:p>
@@ -3155,7 +3676,24 @@
           <a:bodyPr/>
           <a:lstStyle/>
           <a:p>
-            <a:endParaRPr lang="lt-LT" dirty="0"/>
+            <a:r>
+              <a:rPr lang="en-US" dirty="0"/>
+              <a:t>Nagrinėjamas VUL Santaros klinikų tinklapis – santa.lt</a:t>
+            </a:r>
+          </a:p>
+          <a:p>
+            <a:endParaRPr lang="en-US" dirty="0"/>
+          </a:p>
+          <a:p>
+            <a:r>
+              <a:rPr lang="en-US" dirty="0"/>
+              <a:t>Darbo tikslas – </a:t>
+            </a:r>
+            <a:r>
+              <a:rPr lang="en-US" dirty="0" smtClean="0"/>
+              <a:t>apibrėžti reikalavimus ir projektavimo gaires sistemai, suprojektuoti puslapių architektūrą, navigacijos meniu bei pasirinkti serverio modelį</a:t>
+            </a:r>
+            <a:endParaRPr lang="en-US" dirty="0"/>
           </a:p>
         </p:txBody>
       </p:sp>
@@ -3169,6 +3707,13 @@
   <p:clrMapOvr>
     <a:masterClrMapping/>
   </p:clrMapOvr>
+  <p:timing>
+    <p:tnLst>
+      <p:par>
+        <p:cTn id="1" dur="indefinite" restart="never" nodeType="tmRoot"/>
+      </p:par>
+    </p:tnLst>
+  </p:timing>
 </p:sld>
 </file>
 
@@ -3206,14 +3751,20 @@
           </a:xfrm>
         </p:spPr>
         <p:txBody>
-          <a:bodyPr/>
-          <a:lstStyle/>
-          <a:p>
-            <a:r>
-              <a:rPr lang="en-US" dirty="0" smtClean="0"/>
-              <a:t>Vieno iš galimų sprendimų maketas</a:t>
-            </a:r>
-            <a:endParaRPr lang="lt-LT" dirty="0"/>
+          <a:bodyPr>
+            <a:normAutofit/>
+          </a:bodyPr>
+          <a:lstStyle/>
+          <a:p>
+            <a:r>
+              <a:rPr lang="en-US" sz="4000" dirty="0" smtClean="0"/>
+              <a:t>Navigacijos ir informacijos architektūros </a:t>
+            </a:r>
+            <a:r>
+              <a:rPr lang="en-US" sz="4000" dirty="0" smtClean="0"/>
+              <a:t>maketas</a:t>
+            </a:r>
+            <a:endParaRPr lang="lt-LT" sz="4000" dirty="0"/>
           </a:p>
         </p:txBody>
       </p:sp>
@@ -3256,6 +3807,13 @@
   <p:clrMapOvr>
     <a:masterClrMapping/>
   </p:clrMapOvr>
+  <p:timing>
+    <p:tnLst>
+      <p:par>
+        <p:cTn id="1" dur="indefinite" restart="never" nodeType="tmRoot"/>
+      </p:par>
+    </p:tnLst>
+  </p:timing>
 </p:sld>
 </file>
 
@@ -3293,14 +3851,16 @@
           </a:xfrm>
         </p:spPr>
         <p:txBody>
-          <a:bodyPr/>
-          <a:lstStyle/>
-          <a:p>
-            <a:r>
-              <a:rPr lang="en-US" dirty="0" smtClean="0"/>
-              <a:t>Vieno iš galimų sprendimų maketas</a:t>
-            </a:r>
-            <a:endParaRPr lang="lt-LT" dirty="0"/>
+          <a:bodyPr>
+            <a:normAutofit/>
+          </a:bodyPr>
+          <a:lstStyle/>
+          <a:p>
+            <a:r>
+              <a:rPr lang="en-US" sz="4000" dirty="0" smtClean="0"/>
+              <a:t>Paieškos sistemos maketas</a:t>
+            </a:r>
+            <a:endParaRPr lang="lt-LT" sz="4000" dirty="0"/>
           </a:p>
         </p:txBody>
       </p:sp>
@@ -3343,6 +3903,13 @@
   <p:clrMapOvr>
     <a:masterClrMapping/>
   </p:clrMapOvr>
+  <p:timing>
+    <p:tnLst>
+      <p:par>
+        <p:cTn id="1" dur="indefinite" restart="never" nodeType="tmRoot"/>
+      </p:par>
+    </p:tnLst>
+  </p:timing>
 </p:sld>
 </file>
 
@@ -3403,13 +3970,56 @@
           <a:p>
             <a:r>
               <a:rPr lang="en-US" dirty="0" smtClean="0"/>
-              <a:t>Reikalavimai paieškos sistemai</a:t>
-            </a:r>
-          </a:p>
-          <a:p>
+              <a:t>Reikalavimai </a:t>
+            </a:r>
             <a:r>
               <a:rPr lang="en-US" dirty="0" smtClean="0"/>
-              <a:t>Projektavimo gairės navigacijos ir informacijos architektūrai</a:t>
+              <a:t>paieškos sistemai</a:t>
+            </a:r>
+          </a:p>
+          <a:p>
+            <a:r>
+              <a:rPr lang="en-US" dirty="0" smtClean="0"/>
+              <a:t>Projektavimo </a:t>
+            </a:r>
+            <a:r>
+              <a:rPr lang="en-US" dirty="0" smtClean="0"/>
+              <a:t>gairės </a:t>
+            </a:r>
+            <a:r>
+              <a:rPr lang="en-US" dirty="0" smtClean="0"/>
+              <a:t>navigacijos ir informacijos </a:t>
+            </a:r>
+            <a:r>
+              <a:rPr lang="en-US" dirty="0" smtClean="0"/>
+              <a:t>architektūrai</a:t>
+            </a:r>
+          </a:p>
+          <a:p>
+            <a:r>
+              <a:rPr lang="en-US" dirty="0" smtClean="0"/>
+              <a:t>Remiantis:</a:t>
+            </a:r>
+          </a:p>
+          <a:p>
+            <a:pPr lvl="1"/>
+            <a:r>
+              <a:rPr lang="en-US" dirty="0" smtClean="0"/>
+              <a:t>David Travis paieškos ir navigacijos architektūros panaudojamumo gairėmis</a:t>
+            </a:r>
+          </a:p>
+          <a:p>
+            <a:pPr lvl="1"/>
+            <a:r>
+              <a:rPr lang="en-US" dirty="0" smtClean="0"/>
+              <a:t>Jakob Nielsen panaudojamumo euristikomis</a:t>
+            </a:r>
+          </a:p>
+          <a:p>
+            <a:pPr lvl="1"/>
+            <a:r>
+              <a:rPr lang="en-US" dirty="0" smtClean="0"/>
+              <a:t>Naudotojų poreikių analize (iš kursinio darbo)</a:t>
             </a:r>
             <a:endParaRPr lang="lt-LT" dirty="0"/>
           </a:p>
@@ -3425,6 +4035,13 @@
   <p:clrMapOvr>
     <a:masterClrMapping/>
   </p:clrMapOvr>
+  <p:timing>
+    <p:tnLst>
+      <p:par>
+        <p:cTn id="1" dur="indefinite" restart="never" nodeType="tmRoot"/>
+      </p:par>
+    </p:tnLst>
+  </p:timing>
 </p:sld>
 </file>
 
@@ -3468,22 +4085,229 @@
           </a:p>
         </p:txBody>
       </p:sp>
-      <p:sp>
-        <p:nvSpPr>
-          <p:cNvPr id="3" name="Content Placeholder 2"/>
-          <p:cNvSpPr>
-            <a:spLocks noGrp="1"/>
-          </p:cNvSpPr>
+      <p:pic>
+        <p:nvPicPr>
+          <p:cNvPr id="4" name="Content Placeholder 3"/>
+          <p:cNvPicPr>
+            <a:picLocks noGrp="1" noChangeAspect="1"/>
+          </p:cNvPicPr>
           <p:nvPr>
             <p:ph idx="1"/>
           </p:nvPr>
-        </p:nvSpPr>
-        <p:spPr/>
-        <p:txBody>
-          <a:bodyPr/>
-          <a:lstStyle/>
-          <a:p>
-            <a:endParaRPr lang="lt-LT" dirty="0"/>
+        </p:nvPicPr>
+        <p:blipFill>
+          <a:blip r:embed="rId2">
+            <a:extLst>
+              <a:ext uri="{28A0092B-C50C-407E-A947-70E740481C1C}">
+                <a14:useLocalDpi xmlns:a14="http://schemas.microsoft.com/office/drawing/2010/main" val="0"/>
+              </a:ext>
+            </a:extLst>
+          </a:blip>
+          <a:stretch>
+            <a:fillRect/>
+          </a:stretch>
+        </p:blipFill>
+        <p:spPr>
+          <a:xfrm>
+            <a:off x="3402931" y="1825625"/>
+            <a:ext cx="5386138" cy="4351338"/>
+          </a:xfrm>
+        </p:spPr>
+      </p:pic>
+      <p:sp>
+        <p:nvSpPr>
+          <p:cNvPr id="5" name="Content Placeholder 2"/>
+          <p:cNvSpPr txBox="1">
+            <a:spLocks/>
+          </p:cNvSpPr>
+          <p:nvPr/>
+        </p:nvSpPr>
+        <p:spPr>
+          <a:xfrm>
+            <a:off x="1153064" y="6303723"/>
+            <a:ext cx="9885872" cy="477628"/>
+          </a:xfrm>
+          <a:prstGeom prst="rect">
+            <a:avLst/>
+          </a:prstGeom>
+        </p:spPr>
+        <p:txBody>
+          <a:bodyPr vert="horz" lIns="91440" tIns="45720" rIns="91440" bIns="45720" rtlCol="0">
+            <a:normAutofit/>
+          </a:bodyPr>
+          <a:lstStyle>
+            <a:lvl1pPr marL="228600" indent="-228600" algn="l" defTabSz="914400" rtl="0" eaLnBrk="1" latinLnBrk="0" hangingPunct="1">
+              <a:lnSpc>
+                <a:spcPct val="90000"/>
+              </a:lnSpc>
+              <a:spcBef>
+                <a:spcPts val="1000"/>
+              </a:spcBef>
+              <a:buFont typeface="Arial" panose="020B0604020202020204" pitchFamily="34" charset="0"/>
+              <a:buChar char="•"/>
+              <a:defRPr sz="2800" kern="1200">
+                <a:solidFill>
+                  <a:schemeClr val="tx1"/>
+                </a:solidFill>
+                <a:latin typeface="+mn-lt"/>
+                <a:ea typeface="+mn-ea"/>
+                <a:cs typeface="+mn-cs"/>
+              </a:defRPr>
+            </a:lvl1pPr>
+            <a:lvl2pPr marL="685800" indent="-228600" algn="l" defTabSz="914400" rtl="0" eaLnBrk="1" latinLnBrk="0" hangingPunct="1">
+              <a:lnSpc>
+                <a:spcPct val="90000"/>
+              </a:lnSpc>
+              <a:spcBef>
+                <a:spcPts val="500"/>
+              </a:spcBef>
+              <a:buFont typeface="Arial" panose="020B0604020202020204" pitchFamily="34" charset="0"/>
+              <a:buChar char="•"/>
+              <a:defRPr sz="2400" kern="1200">
+                <a:solidFill>
+                  <a:schemeClr val="tx1"/>
+                </a:solidFill>
+                <a:latin typeface="+mn-lt"/>
+                <a:ea typeface="+mn-ea"/>
+                <a:cs typeface="+mn-cs"/>
+              </a:defRPr>
+            </a:lvl2pPr>
+            <a:lvl3pPr marL="1143000" indent="-228600" algn="l" defTabSz="914400" rtl="0" eaLnBrk="1" latinLnBrk="0" hangingPunct="1">
+              <a:lnSpc>
+                <a:spcPct val="90000"/>
+              </a:lnSpc>
+              <a:spcBef>
+                <a:spcPts val="500"/>
+              </a:spcBef>
+              <a:buFont typeface="Arial" panose="020B0604020202020204" pitchFamily="34" charset="0"/>
+              <a:buChar char="•"/>
+              <a:defRPr sz="2000" kern="1200">
+                <a:solidFill>
+                  <a:schemeClr val="tx1"/>
+                </a:solidFill>
+                <a:latin typeface="+mn-lt"/>
+                <a:ea typeface="+mn-ea"/>
+                <a:cs typeface="+mn-cs"/>
+              </a:defRPr>
+            </a:lvl3pPr>
+            <a:lvl4pPr marL="1600200" indent="-228600" algn="l" defTabSz="914400" rtl="0" eaLnBrk="1" latinLnBrk="0" hangingPunct="1">
+              <a:lnSpc>
+                <a:spcPct val="90000"/>
+              </a:lnSpc>
+              <a:spcBef>
+                <a:spcPts val="500"/>
+              </a:spcBef>
+              <a:buFont typeface="Arial" panose="020B0604020202020204" pitchFamily="34" charset="0"/>
+              <a:buChar char="•"/>
+              <a:defRPr sz="1800" kern="1200">
+                <a:solidFill>
+                  <a:schemeClr val="tx1"/>
+                </a:solidFill>
+                <a:latin typeface="+mn-lt"/>
+                <a:ea typeface="+mn-ea"/>
+                <a:cs typeface="+mn-cs"/>
+              </a:defRPr>
+            </a:lvl4pPr>
+            <a:lvl5pPr marL="2057400" indent="-228600" algn="l" defTabSz="914400" rtl="0" eaLnBrk="1" latinLnBrk="0" hangingPunct="1">
+              <a:lnSpc>
+                <a:spcPct val="90000"/>
+              </a:lnSpc>
+              <a:spcBef>
+                <a:spcPts val="500"/>
+              </a:spcBef>
+              <a:buFont typeface="Arial" panose="020B0604020202020204" pitchFamily="34" charset="0"/>
+              <a:buChar char="•"/>
+              <a:defRPr sz="1800" kern="1200">
+                <a:solidFill>
+                  <a:schemeClr val="tx1"/>
+                </a:solidFill>
+                <a:latin typeface="+mn-lt"/>
+                <a:ea typeface="+mn-ea"/>
+                <a:cs typeface="+mn-cs"/>
+              </a:defRPr>
+            </a:lvl5pPr>
+            <a:lvl6pPr marL="2514600" indent="-228600" algn="l" defTabSz="914400" rtl="0" eaLnBrk="1" latinLnBrk="0" hangingPunct="1">
+              <a:lnSpc>
+                <a:spcPct val="90000"/>
+              </a:lnSpc>
+              <a:spcBef>
+                <a:spcPts val="500"/>
+              </a:spcBef>
+              <a:buFont typeface="Arial" panose="020B0604020202020204" pitchFamily="34" charset="0"/>
+              <a:buChar char="•"/>
+              <a:defRPr sz="1800" kern="1200">
+                <a:solidFill>
+                  <a:schemeClr val="tx1"/>
+                </a:solidFill>
+                <a:latin typeface="+mn-lt"/>
+                <a:ea typeface="+mn-ea"/>
+                <a:cs typeface="+mn-cs"/>
+              </a:defRPr>
+            </a:lvl6pPr>
+            <a:lvl7pPr marL="2971800" indent="-228600" algn="l" defTabSz="914400" rtl="0" eaLnBrk="1" latinLnBrk="0" hangingPunct="1">
+              <a:lnSpc>
+                <a:spcPct val="90000"/>
+              </a:lnSpc>
+              <a:spcBef>
+                <a:spcPts val="500"/>
+              </a:spcBef>
+              <a:buFont typeface="Arial" panose="020B0604020202020204" pitchFamily="34" charset="0"/>
+              <a:buChar char="•"/>
+              <a:defRPr sz="1800" kern="1200">
+                <a:solidFill>
+                  <a:schemeClr val="tx1"/>
+                </a:solidFill>
+                <a:latin typeface="+mn-lt"/>
+                <a:ea typeface="+mn-ea"/>
+                <a:cs typeface="+mn-cs"/>
+              </a:defRPr>
+            </a:lvl7pPr>
+            <a:lvl8pPr marL="3429000" indent="-228600" algn="l" defTabSz="914400" rtl="0" eaLnBrk="1" latinLnBrk="0" hangingPunct="1">
+              <a:lnSpc>
+                <a:spcPct val="90000"/>
+              </a:lnSpc>
+              <a:spcBef>
+                <a:spcPts val="500"/>
+              </a:spcBef>
+              <a:buFont typeface="Arial" panose="020B0604020202020204" pitchFamily="34" charset="0"/>
+              <a:buChar char="•"/>
+              <a:defRPr sz="1800" kern="1200">
+                <a:solidFill>
+                  <a:schemeClr val="tx1"/>
+                </a:solidFill>
+                <a:latin typeface="+mn-lt"/>
+                <a:ea typeface="+mn-ea"/>
+                <a:cs typeface="+mn-cs"/>
+              </a:defRPr>
+            </a:lvl8pPr>
+            <a:lvl9pPr marL="3886200" indent="-228600" algn="l" defTabSz="914400" rtl="0" eaLnBrk="1" latinLnBrk="0" hangingPunct="1">
+              <a:lnSpc>
+                <a:spcPct val="90000"/>
+              </a:lnSpc>
+              <a:spcBef>
+                <a:spcPts val="500"/>
+              </a:spcBef>
+              <a:buFont typeface="Arial" panose="020B0604020202020204" pitchFamily="34" charset="0"/>
+              <a:buChar char="•"/>
+              <a:defRPr sz="1800" kern="1200">
+                <a:solidFill>
+                  <a:schemeClr val="tx1"/>
+                </a:solidFill>
+                <a:latin typeface="+mn-lt"/>
+                <a:ea typeface="+mn-ea"/>
+                <a:cs typeface="+mn-cs"/>
+              </a:defRPr>
+            </a:lvl9pPr>
+          </a:lstStyle>
+          <a:p>
+            <a:pPr marL="0" indent="0" algn="ctr">
+              <a:buNone/>
+            </a:pPr>
+            <a:r>
+              <a:rPr lang="en-US" sz="2000" dirty="0" smtClean="0"/>
+              <a:t>3 pav. Pagrindinio puslapio dabartinis išdėstymas</a:t>
+            </a:r>
+            <a:endParaRPr lang="lt-LT" sz="2000" dirty="0"/>
           </a:p>
         </p:txBody>
       </p:sp>
@@ -3497,6 +4321,13 @@
   <p:clrMapOvr>
     <a:masterClrMapping/>
   </p:clrMapOvr>
+  <p:timing>
+    <p:tnLst>
+      <p:par>
+        <p:cTn id="1" dur="indefinite" restart="never" nodeType="tmRoot"/>
+      </p:par>
+    </p:tnLst>
+  </p:timing>
 </p:sld>
 </file>
 
@@ -3534,41 +4365,327 @@
           <a:p>
             <a:r>
               <a:rPr lang="en-US" dirty="0" smtClean="0"/>
-              <a:t>Navigacijos meniu projektavimas</a:t>
+              <a:t>Informacijos architektūros projektavimas</a:t>
             </a:r>
             <a:endParaRPr lang="lt-LT" dirty="0"/>
           </a:p>
         </p:txBody>
       </p:sp>
-      <p:sp>
-        <p:nvSpPr>
-          <p:cNvPr id="3" name="Content Placeholder 2"/>
-          <p:cNvSpPr>
-            <a:spLocks noGrp="1"/>
-          </p:cNvSpPr>
+      <p:pic>
+        <p:nvPicPr>
+          <p:cNvPr id="5" name="Content Placeholder 4"/>
+          <p:cNvPicPr>
+            <a:picLocks noGrp="1" noChangeAspect="1"/>
+          </p:cNvPicPr>
           <p:nvPr>
             <p:ph idx="1"/>
           </p:nvPr>
-        </p:nvSpPr>
-        <p:spPr/>
-        <p:txBody>
-          <a:bodyPr/>
-          <a:lstStyle/>
-          <a:p>
-            <a:endParaRPr lang="lt-LT"/>
+        </p:nvPicPr>
+        <p:blipFill>
+          <a:blip r:embed="rId2">
+            <a:extLst>
+              <a:ext uri="{28A0092B-C50C-407E-A947-70E740481C1C}">
+                <a14:useLocalDpi xmlns:a14="http://schemas.microsoft.com/office/drawing/2010/main" val="0"/>
+              </a:ext>
+            </a:extLst>
+          </a:blip>
+          <a:stretch>
+            <a:fillRect/>
+          </a:stretch>
+        </p:blipFill>
+        <p:spPr>
+          <a:xfrm>
+            <a:off x="450975" y="1825625"/>
+            <a:ext cx="5406834" cy="4351338"/>
+          </a:xfrm>
+        </p:spPr>
+      </p:pic>
+      <p:sp>
+        <p:nvSpPr>
+          <p:cNvPr id="6" name="Content Placeholder 2"/>
+          <p:cNvSpPr txBox="1">
+            <a:spLocks/>
+          </p:cNvSpPr>
+          <p:nvPr/>
+        </p:nvSpPr>
+        <p:spPr>
+          <a:xfrm>
+            <a:off x="450974" y="6311900"/>
+            <a:ext cx="5406835" cy="275460"/>
+          </a:xfrm>
+          <a:prstGeom prst="rect">
+            <a:avLst/>
+          </a:prstGeom>
+        </p:spPr>
+        <p:txBody>
+          <a:bodyPr vert="horz" lIns="91440" tIns="45720" rIns="91440" bIns="45720" rtlCol="0">
+            <a:normAutofit fontScale="92500" lnSpcReduction="20000"/>
+          </a:bodyPr>
+          <a:lstStyle>
+            <a:lvl1pPr marL="228600" indent="-228600" algn="l" defTabSz="914400" rtl="0" eaLnBrk="1" latinLnBrk="0" hangingPunct="1">
+              <a:lnSpc>
+                <a:spcPct val="90000"/>
+              </a:lnSpc>
+              <a:spcBef>
+                <a:spcPts val="1000"/>
+              </a:spcBef>
+              <a:buFont typeface="Arial" panose="020B0604020202020204" pitchFamily="34" charset="0"/>
+              <a:buChar char="•"/>
+              <a:defRPr sz="2800" kern="1200">
+                <a:solidFill>
+                  <a:schemeClr val="tx1"/>
+                </a:solidFill>
+                <a:latin typeface="+mn-lt"/>
+                <a:ea typeface="+mn-ea"/>
+                <a:cs typeface="+mn-cs"/>
+              </a:defRPr>
+            </a:lvl1pPr>
+            <a:lvl2pPr marL="685800" indent="-228600" algn="l" defTabSz="914400" rtl="0" eaLnBrk="1" latinLnBrk="0" hangingPunct="1">
+              <a:lnSpc>
+                <a:spcPct val="90000"/>
+              </a:lnSpc>
+              <a:spcBef>
+                <a:spcPts val="500"/>
+              </a:spcBef>
+              <a:buFont typeface="Arial" panose="020B0604020202020204" pitchFamily="34" charset="0"/>
+              <a:buChar char="•"/>
+              <a:defRPr sz="2400" kern="1200">
+                <a:solidFill>
+                  <a:schemeClr val="tx1"/>
+                </a:solidFill>
+                <a:latin typeface="+mn-lt"/>
+                <a:ea typeface="+mn-ea"/>
+                <a:cs typeface="+mn-cs"/>
+              </a:defRPr>
+            </a:lvl2pPr>
+            <a:lvl3pPr marL="1143000" indent="-228600" algn="l" defTabSz="914400" rtl="0" eaLnBrk="1" latinLnBrk="0" hangingPunct="1">
+              <a:lnSpc>
+                <a:spcPct val="90000"/>
+              </a:lnSpc>
+              <a:spcBef>
+                <a:spcPts val="500"/>
+              </a:spcBef>
+              <a:buFont typeface="Arial" panose="020B0604020202020204" pitchFamily="34" charset="0"/>
+              <a:buChar char="•"/>
+              <a:defRPr sz="2000" kern="1200">
+                <a:solidFill>
+                  <a:schemeClr val="tx1"/>
+                </a:solidFill>
+                <a:latin typeface="+mn-lt"/>
+                <a:ea typeface="+mn-ea"/>
+                <a:cs typeface="+mn-cs"/>
+              </a:defRPr>
+            </a:lvl3pPr>
+            <a:lvl4pPr marL="1600200" indent="-228600" algn="l" defTabSz="914400" rtl="0" eaLnBrk="1" latinLnBrk="0" hangingPunct="1">
+              <a:lnSpc>
+                <a:spcPct val="90000"/>
+              </a:lnSpc>
+              <a:spcBef>
+                <a:spcPts val="500"/>
+              </a:spcBef>
+              <a:buFont typeface="Arial" panose="020B0604020202020204" pitchFamily="34" charset="0"/>
+              <a:buChar char="•"/>
+              <a:defRPr sz="1800" kern="1200">
+                <a:solidFill>
+                  <a:schemeClr val="tx1"/>
+                </a:solidFill>
+                <a:latin typeface="+mn-lt"/>
+                <a:ea typeface="+mn-ea"/>
+                <a:cs typeface="+mn-cs"/>
+              </a:defRPr>
+            </a:lvl4pPr>
+            <a:lvl5pPr marL="2057400" indent="-228600" algn="l" defTabSz="914400" rtl="0" eaLnBrk="1" latinLnBrk="0" hangingPunct="1">
+              <a:lnSpc>
+                <a:spcPct val="90000"/>
+              </a:lnSpc>
+              <a:spcBef>
+                <a:spcPts val="500"/>
+              </a:spcBef>
+              <a:buFont typeface="Arial" panose="020B0604020202020204" pitchFamily="34" charset="0"/>
+              <a:buChar char="•"/>
+              <a:defRPr sz="1800" kern="1200">
+                <a:solidFill>
+                  <a:schemeClr val="tx1"/>
+                </a:solidFill>
+                <a:latin typeface="+mn-lt"/>
+                <a:ea typeface="+mn-ea"/>
+                <a:cs typeface="+mn-cs"/>
+              </a:defRPr>
+            </a:lvl5pPr>
+            <a:lvl6pPr marL="2514600" indent="-228600" algn="l" defTabSz="914400" rtl="0" eaLnBrk="1" latinLnBrk="0" hangingPunct="1">
+              <a:lnSpc>
+                <a:spcPct val="90000"/>
+              </a:lnSpc>
+              <a:spcBef>
+                <a:spcPts val="500"/>
+              </a:spcBef>
+              <a:buFont typeface="Arial" panose="020B0604020202020204" pitchFamily="34" charset="0"/>
+              <a:buChar char="•"/>
+              <a:defRPr sz="1800" kern="1200">
+                <a:solidFill>
+                  <a:schemeClr val="tx1"/>
+                </a:solidFill>
+                <a:latin typeface="+mn-lt"/>
+                <a:ea typeface="+mn-ea"/>
+                <a:cs typeface="+mn-cs"/>
+              </a:defRPr>
+            </a:lvl6pPr>
+            <a:lvl7pPr marL="2971800" indent="-228600" algn="l" defTabSz="914400" rtl="0" eaLnBrk="1" latinLnBrk="0" hangingPunct="1">
+              <a:lnSpc>
+                <a:spcPct val="90000"/>
+              </a:lnSpc>
+              <a:spcBef>
+                <a:spcPts val="500"/>
+              </a:spcBef>
+              <a:buFont typeface="Arial" panose="020B0604020202020204" pitchFamily="34" charset="0"/>
+              <a:buChar char="•"/>
+              <a:defRPr sz="1800" kern="1200">
+                <a:solidFill>
+                  <a:schemeClr val="tx1"/>
+                </a:solidFill>
+                <a:latin typeface="+mn-lt"/>
+                <a:ea typeface="+mn-ea"/>
+                <a:cs typeface="+mn-cs"/>
+              </a:defRPr>
+            </a:lvl7pPr>
+            <a:lvl8pPr marL="3429000" indent="-228600" algn="l" defTabSz="914400" rtl="0" eaLnBrk="1" latinLnBrk="0" hangingPunct="1">
+              <a:lnSpc>
+                <a:spcPct val="90000"/>
+              </a:lnSpc>
+              <a:spcBef>
+                <a:spcPts val="500"/>
+              </a:spcBef>
+              <a:buFont typeface="Arial" panose="020B0604020202020204" pitchFamily="34" charset="0"/>
+              <a:buChar char="•"/>
+              <a:defRPr sz="1800" kern="1200">
+                <a:solidFill>
+                  <a:schemeClr val="tx1"/>
+                </a:solidFill>
+                <a:latin typeface="+mn-lt"/>
+                <a:ea typeface="+mn-ea"/>
+                <a:cs typeface="+mn-cs"/>
+              </a:defRPr>
+            </a:lvl8pPr>
+            <a:lvl9pPr marL="3886200" indent="-228600" algn="l" defTabSz="914400" rtl="0" eaLnBrk="1" latinLnBrk="0" hangingPunct="1">
+              <a:lnSpc>
+                <a:spcPct val="90000"/>
+              </a:lnSpc>
+              <a:spcBef>
+                <a:spcPts val="500"/>
+              </a:spcBef>
+              <a:buFont typeface="Arial" panose="020B0604020202020204" pitchFamily="34" charset="0"/>
+              <a:buChar char="•"/>
+              <a:defRPr sz="1800" kern="1200">
+                <a:solidFill>
+                  <a:schemeClr val="tx1"/>
+                </a:solidFill>
+                <a:latin typeface="+mn-lt"/>
+                <a:ea typeface="+mn-ea"/>
+                <a:cs typeface="+mn-cs"/>
+              </a:defRPr>
+            </a:lvl9pPr>
+          </a:lstStyle>
+          <a:p>
+            <a:pPr marL="0" indent="0" algn="ctr">
+              <a:buNone/>
+            </a:pPr>
+            <a:r>
+              <a:rPr lang="en-US" sz="1700" dirty="0" smtClean="0"/>
+              <a:t>4 pav. Pagrindinio puslapio alternatyvus išdėstymas</a:t>
+            </a:r>
+            <a:endParaRPr lang="lt-LT" sz="1700" dirty="0"/>
+          </a:p>
+        </p:txBody>
+      </p:sp>
+      <p:pic>
+        <p:nvPicPr>
+          <p:cNvPr id="7" name="Picture 6"/>
+          <p:cNvPicPr>
+            <a:picLocks noChangeAspect="1"/>
+          </p:cNvPicPr>
+          <p:nvPr/>
+        </p:nvPicPr>
+        <p:blipFill>
+          <a:blip r:embed="rId3">
+            <a:extLst>
+              <a:ext uri="{28A0092B-C50C-407E-A947-70E740481C1C}">
+                <a14:useLocalDpi xmlns:a14="http://schemas.microsoft.com/office/drawing/2010/main" val="0"/>
+              </a:ext>
+            </a:extLst>
+          </a:blip>
+          <a:stretch>
+            <a:fillRect/>
+          </a:stretch>
+        </p:blipFill>
+        <p:spPr>
+          <a:xfrm>
+            <a:off x="6438062" y="1825625"/>
+            <a:ext cx="5386139" cy="4351338"/>
+          </a:xfrm>
+          <a:prstGeom prst="rect">
+            <a:avLst/>
+          </a:prstGeom>
+        </p:spPr>
+      </p:pic>
+      <p:sp>
+        <p:nvSpPr>
+          <p:cNvPr id="8" name="Rectangle 7"/>
+          <p:cNvSpPr/>
+          <p:nvPr/>
+        </p:nvSpPr>
+        <p:spPr>
+          <a:xfrm>
+            <a:off x="6438062" y="6311900"/>
+            <a:ext cx="5414722" cy="275460"/>
+          </a:xfrm>
+          <a:prstGeom prst="rect">
+            <a:avLst/>
+          </a:prstGeom>
+        </p:spPr>
+        <p:txBody>
+          <a:bodyPr wrap="square">
+            <a:spAutoFit/>
+          </a:bodyPr>
+          <a:lstStyle/>
+          <a:p>
+            <a:pPr algn="ctr">
+              <a:lnSpc>
+                <a:spcPct val="70000"/>
+              </a:lnSpc>
+            </a:pPr>
+            <a:r>
+              <a:rPr lang="en-US" sz="1700" dirty="0" smtClean="0"/>
+              <a:t>5 </a:t>
+            </a:r>
+            <a:r>
+              <a:rPr lang="en-US" sz="1700" dirty="0"/>
+              <a:t>pav. Pagrindinio puslapio </a:t>
+            </a:r>
+            <a:r>
+              <a:rPr lang="en-US" sz="1700" dirty="0" smtClean="0"/>
+              <a:t>alternatyvus išdėstymas</a:t>
+            </a:r>
+            <a:endParaRPr lang="lt-LT" sz="1700" dirty="0"/>
           </a:p>
         </p:txBody>
       </p:sp>
     </p:spTree>
     <p:extLst>
       <p:ext uri="{BB962C8B-B14F-4D97-AF65-F5344CB8AC3E}">
-        <p14:creationId xmlns:p14="http://schemas.microsoft.com/office/powerpoint/2010/main" val="3325406128"/>
+        <p14:creationId xmlns:p14="http://schemas.microsoft.com/office/powerpoint/2010/main" val="1494369514"/>
       </p:ext>
     </p:extLst>
   </p:cSld>
   <p:clrMapOvr>
     <a:masterClrMapping/>
   </p:clrMapOvr>
+  <p:timing>
+    <p:tnLst>
+      <p:par>
+        <p:cTn id="1" dur="indefinite" restart="never" nodeType="tmRoot"/>
+      </p:par>
+    </p:tnLst>
+  </p:timing>
 </p:sld>
 </file>
 
@@ -3605,54 +4722,1005 @@
           <a:lstStyle/>
           <a:p>
             <a:r>
-              <a:rPr lang="en-US" dirty="0" smtClean="0"/>
-              <a:t>Serverio modelis</a:t>
+              <a:rPr lang="en-US" dirty="0"/>
+              <a:t>Informacijos architektūros projektavimas</a:t>
             </a:r>
             <a:endParaRPr lang="lt-LT" dirty="0"/>
           </a:p>
         </p:txBody>
       </p:sp>
-      <p:sp>
-        <p:nvSpPr>
-          <p:cNvPr id="3" name="Content Placeholder 2"/>
-          <p:cNvSpPr>
-            <a:spLocks noGrp="1"/>
-          </p:cNvSpPr>
+      <p:pic>
+        <p:nvPicPr>
+          <p:cNvPr id="4" name="Content Placeholder 3"/>
+          <p:cNvPicPr>
+            <a:picLocks noGrp="1" noChangeAspect="1"/>
+          </p:cNvPicPr>
           <p:nvPr>
             <p:ph idx="1"/>
           </p:nvPr>
-        </p:nvSpPr>
-        <p:spPr/>
-        <p:txBody>
-          <a:bodyPr/>
-          <a:lstStyle/>
-          <a:p>
-            <a:r>
-              <a:rPr lang="en-US" dirty="0" smtClean="0"/>
-              <a:t>Nėra griežtų reikalavimų dėl sistemos techninių savybių</a:t>
-            </a:r>
-          </a:p>
-          <a:p>
-            <a:r>
-              <a:rPr lang="en-US" smtClean="0"/>
-              <a:t>Galima naudoti MVC modelį</a:t>
-            </a:r>
-          </a:p>
-          <a:p>
-            <a:endParaRPr lang="lt-LT" dirty="0"/>
+        </p:nvPicPr>
+        <p:blipFill>
+          <a:blip r:embed="rId2">
+            <a:extLst>
+              <a:ext uri="{28A0092B-C50C-407E-A947-70E740481C1C}">
+                <a14:useLocalDpi xmlns:a14="http://schemas.microsoft.com/office/drawing/2010/main" val="0"/>
+              </a:ext>
+            </a:extLst>
+          </a:blip>
+          <a:stretch>
+            <a:fillRect/>
+          </a:stretch>
+        </p:blipFill>
+        <p:spPr>
+          <a:xfrm>
+            <a:off x="6383727" y="1821464"/>
+            <a:ext cx="5386138" cy="4351338"/>
+          </a:xfrm>
+        </p:spPr>
+      </p:pic>
+      <p:pic>
+        <p:nvPicPr>
+          <p:cNvPr id="5" name="Picture 4"/>
+          <p:cNvPicPr>
+            <a:picLocks noChangeAspect="1"/>
+          </p:cNvPicPr>
+          <p:nvPr/>
+        </p:nvPicPr>
+        <p:blipFill>
+          <a:blip r:embed="rId3">
+            <a:extLst>
+              <a:ext uri="{28A0092B-C50C-407E-A947-70E740481C1C}">
+                <a14:useLocalDpi xmlns:a14="http://schemas.microsoft.com/office/drawing/2010/main" val="0"/>
+              </a:ext>
+            </a:extLst>
+          </a:blip>
+          <a:stretch>
+            <a:fillRect/>
+          </a:stretch>
+        </p:blipFill>
+        <p:spPr>
+          <a:xfrm>
+            <a:off x="468228" y="1821464"/>
+            <a:ext cx="5391289" cy="4355499"/>
+          </a:xfrm>
+          <a:prstGeom prst="rect">
+            <a:avLst/>
+          </a:prstGeom>
+        </p:spPr>
+      </p:pic>
+      <p:sp>
+        <p:nvSpPr>
+          <p:cNvPr id="6" name="Content Placeholder 2"/>
+          <p:cNvSpPr txBox="1">
+            <a:spLocks/>
+          </p:cNvSpPr>
+          <p:nvPr/>
+        </p:nvSpPr>
+        <p:spPr>
+          <a:xfrm>
+            <a:off x="468228" y="6311900"/>
+            <a:ext cx="5406835" cy="275460"/>
+          </a:xfrm>
+          <a:prstGeom prst="rect">
+            <a:avLst/>
+          </a:prstGeom>
+        </p:spPr>
+        <p:txBody>
+          <a:bodyPr vert="horz" lIns="91440" tIns="45720" rIns="91440" bIns="45720" rtlCol="0">
+            <a:normAutofit fontScale="92500" lnSpcReduction="20000"/>
+          </a:bodyPr>
+          <a:lstStyle>
+            <a:lvl1pPr marL="228600" indent="-228600" algn="l" defTabSz="914400" rtl="0" eaLnBrk="1" latinLnBrk="0" hangingPunct="1">
+              <a:lnSpc>
+                <a:spcPct val="90000"/>
+              </a:lnSpc>
+              <a:spcBef>
+                <a:spcPts val="1000"/>
+              </a:spcBef>
+              <a:buFont typeface="Arial" panose="020B0604020202020204" pitchFamily="34" charset="0"/>
+              <a:buChar char="•"/>
+              <a:defRPr sz="2800" kern="1200">
+                <a:solidFill>
+                  <a:schemeClr val="tx1"/>
+                </a:solidFill>
+                <a:latin typeface="+mn-lt"/>
+                <a:ea typeface="+mn-ea"/>
+                <a:cs typeface="+mn-cs"/>
+              </a:defRPr>
+            </a:lvl1pPr>
+            <a:lvl2pPr marL="685800" indent="-228600" algn="l" defTabSz="914400" rtl="0" eaLnBrk="1" latinLnBrk="0" hangingPunct="1">
+              <a:lnSpc>
+                <a:spcPct val="90000"/>
+              </a:lnSpc>
+              <a:spcBef>
+                <a:spcPts val="500"/>
+              </a:spcBef>
+              <a:buFont typeface="Arial" panose="020B0604020202020204" pitchFamily="34" charset="0"/>
+              <a:buChar char="•"/>
+              <a:defRPr sz="2400" kern="1200">
+                <a:solidFill>
+                  <a:schemeClr val="tx1"/>
+                </a:solidFill>
+                <a:latin typeface="+mn-lt"/>
+                <a:ea typeface="+mn-ea"/>
+                <a:cs typeface="+mn-cs"/>
+              </a:defRPr>
+            </a:lvl2pPr>
+            <a:lvl3pPr marL="1143000" indent="-228600" algn="l" defTabSz="914400" rtl="0" eaLnBrk="1" latinLnBrk="0" hangingPunct="1">
+              <a:lnSpc>
+                <a:spcPct val="90000"/>
+              </a:lnSpc>
+              <a:spcBef>
+                <a:spcPts val="500"/>
+              </a:spcBef>
+              <a:buFont typeface="Arial" panose="020B0604020202020204" pitchFamily="34" charset="0"/>
+              <a:buChar char="•"/>
+              <a:defRPr sz="2000" kern="1200">
+                <a:solidFill>
+                  <a:schemeClr val="tx1"/>
+                </a:solidFill>
+                <a:latin typeface="+mn-lt"/>
+                <a:ea typeface="+mn-ea"/>
+                <a:cs typeface="+mn-cs"/>
+              </a:defRPr>
+            </a:lvl3pPr>
+            <a:lvl4pPr marL="1600200" indent="-228600" algn="l" defTabSz="914400" rtl="0" eaLnBrk="1" latinLnBrk="0" hangingPunct="1">
+              <a:lnSpc>
+                <a:spcPct val="90000"/>
+              </a:lnSpc>
+              <a:spcBef>
+                <a:spcPts val="500"/>
+              </a:spcBef>
+              <a:buFont typeface="Arial" panose="020B0604020202020204" pitchFamily="34" charset="0"/>
+              <a:buChar char="•"/>
+              <a:defRPr sz="1800" kern="1200">
+                <a:solidFill>
+                  <a:schemeClr val="tx1"/>
+                </a:solidFill>
+                <a:latin typeface="+mn-lt"/>
+                <a:ea typeface="+mn-ea"/>
+                <a:cs typeface="+mn-cs"/>
+              </a:defRPr>
+            </a:lvl4pPr>
+            <a:lvl5pPr marL="2057400" indent="-228600" algn="l" defTabSz="914400" rtl="0" eaLnBrk="1" latinLnBrk="0" hangingPunct="1">
+              <a:lnSpc>
+                <a:spcPct val="90000"/>
+              </a:lnSpc>
+              <a:spcBef>
+                <a:spcPts val="500"/>
+              </a:spcBef>
+              <a:buFont typeface="Arial" panose="020B0604020202020204" pitchFamily="34" charset="0"/>
+              <a:buChar char="•"/>
+              <a:defRPr sz="1800" kern="1200">
+                <a:solidFill>
+                  <a:schemeClr val="tx1"/>
+                </a:solidFill>
+                <a:latin typeface="+mn-lt"/>
+                <a:ea typeface="+mn-ea"/>
+                <a:cs typeface="+mn-cs"/>
+              </a:defRPr>
+            </a:lvl5pPr>
+            <a:lvl6pPr marL="2514600" indent="-228600" algn="l" defTabSz="914400" rtl="0" eaLnBrk="1" latinLnBrk="0" hangingPunct="1">
+              <a:lnSpc>
+                <a:spcPct val="90000"/>
+              </a:lnSpc>
+              <a:spcBef>
+                <a:spcPts val="500"/>
+              </a:spcBef>
+              <a:buFont typeface="Arial" panose="020B0604020202020204" pitchFamily="34" charset="0"/>
+              <a:buChar char="•"/>
+              <a:defRPr sz="1800" kern="1200">
+                <a:solidFill>
+                  <a:schemeClr val="tx1"/>
+                </a:solidFill>
+                <a:latin typeface="+mn-lt"/>
+                <a:ea typeface="+mn-ea"/>
+                <a:cs typeface="+mn-cs"/>
+              </a:defRPr>
+            </a:lvl6pPr>
+            <a:lvl7pPr marL="2971800" indent="-228600" algn="l" defTabSz="914400" rtl="0" eaLnBrk="1" latinLnBrk="0" hangingPunct="1">
+              <a:lnSpc>
+                <a:spcPct val="90000"/>
+              </a:lnSpc>
+              <a:spcBef>
+                <a:spcPts val="500"/>
+              </a:spcBef>
+              <a:buFont typeface="Arial" panose="020B0604020202020204" pitchFamily="34" charset="0"/>
+              <a:buChar char="•"/>
+              <a:defRPr sz="1800" kern="1200">
+                <a:solidFill>
+                  <a:schemeClr val="tx1"/>
+                </a:solidFill>
+                <a:latin typeface="+mn-lt"/>
+                <a:ea typeface="+mn-ea"/>
+                <a:cs typeface="+mn-cs"/>
+              </a:defRPr>
+            </a:lvl7pPr>
+            <a:lvl8pPr marL="3429000" indent="-228600" algn="l" defTabSz="914400" rtl="0" eaLnBrk="1" latinLnBrk="0" hangingPunct="1">
+              <a:lnSpc>
+                <a:spcPct val="90000"/>
+              </a:lnSpc>
+              <a:spcBef>
+                <a:spcPts val="500"/>
+              </a:spcBef>
+              <a:buFont typeface="Arial" panose="020B0604020202020204" pitchFamily="34" charset="0"/>
+              <a:buChar char="•"/>
+              <a:defRPr sz="1800" kern="1200">
+                <a:solidFill>
+                  <a:schemeClr val="tx1"/>
+                </a:solidFill>
+                <a:latin typeface="+mn-lt"/>
+                <a:ea typeface="+mn-ea"/>
+                <a:cs typeface="+mn-cs"/>
+              </a:defRPr>
+            </a:lvl8pPr>
+            <a:lvl9pPr marL="3886200" indent="-228600" algn="l" defTabSz="914400" rtl="0" eaLnBrk="1" latinLnBrk="0" hangingPunct="1">
+              <a:lnSpc>
+                <a:spcPct val="90000"/>
+              </a:lnSpc>
+              <a:spcBef>
+                <a:spcPts val="500"/>
+              </a:spcBef>
+              <a:buFont typeface="Arial" panose="020B0604020202020204" pitchFamily="34" charset="0"/>
+              <a:buChar char="•"/>
+              <a:defRPr sz="1800" kern="1200">
+                <a:solidFill>
+                  <a:schemeClr val="tx1"/>
+                </a:solidFill>
+                <a:latin typeface="+mn-lt"/>
+                <a:ea typeface="+mn-ea"/>
+                <a:cs typeface="+mn-cs"/>
+              </a:defRPr>
+            </a:lvl9pPr>
+          </a:lstStyle>
+          <a:p>
+            <a:pPr marL="0" indent="0" algn="ctr">
+              <a:buNone/>
+            </a:pPr>
+            <a:r>
+              <a:rPr lang="en-US" sz="1700" dirty="0"/>
+              <a:t>6</a:t>
+            </a:r>
+            <a:r>
+              <a:rPr lang="en-US" sz="1700" dirty="0" smtClean="0"/>
+              <a:t> pav. Turinio puslapio išdėstymas</a:t>
+            </a:r>
+            <a:endParaRPr lang="lt-LT" sz="1700" dirty="0"/>
+          </a:p>
+        </p:txBody>
+      </p:sp>
+      <p:sp>
+        <p:nvSpPr>
+          <p:cNvPr id="7" name="Content Placeholder 2"/>
+          <p:cNvSpPr txBox="1">
+            <a:spLocks/>
+          </p:cNvSpPr>
+          <p:nvPr/>
+        </p:nvSpPr>
+        <p:spPr>
+          <a:xfrm>
+            <a:off x="6373379" y="6311900"/>
+            <a:ext cx="5406835" cy="275460"/>
+          </a:xfrm>
+          <a:prstGeom prst="rect">
+            <a:avLst/>
+          </a:prstGeom>
+        </p:spPr>
+        <p:txBody>
+          <a:bodyPr vert="horz" lIns="91440" tIns="45720" rIns="91440" bIns="45720" rtlCol="0">
+            <a:normAutofit fontScale="92500" lnSpcReduction="20000"/>
+          </a:bodyPr>
+          <a:lstStyle>
+            <a:lvl1pPr marL="228600" indent="-228600" algn="l" defTabSz="914400" rtl="0" eaLnBrk="1" latinLnBrk="0" hangingPunct="1">
+              <a:lnSpc>
+                <a:spcPct val="90000"/>
+              </a:lnSpc>
+              <a:spcBef>
+                <a:spcPts val="1000"/>
+              </a:spcBef>
+              <a:buFont typeface="Arial" panose="020B0604020202020204" pitchFamily="34" charset="0"/>
+              <a:buChar char="•"/>
+              <a:defRPr sz="2800" kern="1200">
+                <a:solidFill>
+                  <a:schemeClr val="tx1"/>
+                </a:solidFill>
+                <a:latin typeface="+mn-lt"/>
+                <a:ea typeface="+mn-ea"/>
+                <a:cs typeface="+mn-cs"/>
+              </a:defRPr>
+            </a:lvl1pPr>
+            <a:lvl2pPr marL="685800" indent="-228600" algn="l" defTabSz="914400" rtl="0" eaLnBrk="1" latinLnBrk="0" hangingPunct="1">
+              <a:lnSpc>
+                <a:spcPct val="90000"/>
+              </a:lnSpc>
+              <a:spcBef>
+                <a:spcPts val="500"/>
+              </a:spcBef>
+              <a:buFont typeface="Arial" panose="020B0604020202020204" pitchFamily="34" charset="0"/>
+              <a:buChar char="•"/>
+              <a:defRPr sz="2400" kern="1200">
+                <a:solidFill>
+                  <a:schemeClr val="tx1"/>
+                </a:solidFill>
+                <a:latin typeface="+mn-lt"/>
+                <a:ea typeface="+mn-ea"/>
+                <a:cs typeface="+mn-cs"/>
+              </a:defRPr>
+            </a:lvl2pPr>
+            <a:lvl3pPr marL="1143000" indent="-228600" algn="l" defTabSz="914400" rtl="0" eaLnBrk="1" latinLnBrk="0" hangingPunct="1">
+              <a:lnSpc>
+                <a:spcPct val="90000"/>
+              </a:lnSpc>
+              <a:spcBef>
+                <a:spcPts val="500"/>
+              </a:spcBef>
+              <a:buFont typeface="Arial" panose="020B0604020202020204" pitchFamily="34" charset="0"/>
+              <a:buChar char="•"/>
+              <a:defRPr sz="2000" kern="1200">
+                <a:solidFill>
+                  <a:schemeClr val="tx1"/>
+                </a:solidFill>
+                <a:latin typeface="+mn-lt"/>
+                <a:ea typeface="+mn-ea"/>
+                <a:cs typeface="+mn-cs"/>
+              </a:defRPr>
+            </a:lvl3pPr>
+            <a:lvl4pPr marL="1600200" indent="-228600" algn="l" defTabSz="914400" rtl="0" eaLnBrk="1" latinLnBrk="0" hangingPunct="1">
+              <a:lnSpc>
+                <a:spcPct val="90000"/>
+              </a:lnSpc>
+              <a:spcBef>
+                <a:spcPts val="500"/>
+              </a:spcBef>
+              <a:buFont typeface="Arial" panose="020B0604020202020204" pitchFamily="34" charset="0"/>
+              <a:buChar char="•"/>
+              <a:defRPr sz="1800" kern="1200">
+                <a:solidFill>
+                  <a:schemeClr val="tx1"/>
+                </a:solidFill>
+                <a:latin typeface="+mn-lt"/>
+                <a:ea typeface="+mn-ea"/>
+                <a:cs typeface="+mn-cs"/>
+              </a:defRPr>
+            </a:lvl4pPr>
+            <a:lvl5pPr marL="2057400" indent="-228600" algn="l" defTabSz="914400" rtl="0" eaLnBrk="1" latinLnBrk="0" hangingPunct="1">
+              <a:lnSpc>
+                <a:spcPct val="90000"/>
+              </a:lnSpc>
+              <a:spcBef>
+                <a:spcPts val="500"/>
+              </a:spcBef>
+              <a:buFont typeface="Arial" panose="020B0604020202020204" pitchFamily="34" charset="0"/>
+              <a:buChar char="•"/>
+              <a:defRPr sz="1800" kern="1200">
+                <a:solidFill>
+                  <a:schemeClr val="tx1"/>
+                </a:solidFill>
+                <a:latin typeface="+mn-lt"/>
+                <a:ea typeface="+mn-ea"/>
+                <a:cs typeface="+mn-cs"/>
+              </a:defRPr>
+            </a:lvl5pPr>
+            <a:lvl6pPr marL="2514600" indent="-228600" algn="l" defTabSz="914400" rtl="0" eaLnBrk="1" latinLnBrk="0" hangingPunct="1">
+              <a:lnSpc>
+                <a:spcPct val="90000"/>
+              </a:lnSpc>
+              <a:spcBef>
+                <a:spcPts val="500"/>
+              </a:spcBef>
+              <a:buFont typeface="Arial" panose="020B0604020202020204" pitchFamily="34" charset="0"/>
+              <a:buChar char="•"/>
+              <a:defRPr sz="1800" kern="1200">
+                <a:solidFill>
+                  <a:schemeClr val="tx1"/>
+                </a:solidFill>
+                <a:latin typeface="+mn-lt"/>
+                <a:ea typeface="+mn-ea"/>
+                <a:cs typeface="+mn-cs"/>
+              </a:defRPr>
+            </a:lvl6pPr>
+            <a:lvl7pPr marL="2971800" indent="-228600" algn="l" defTabSz="914400" rtl="0" eaLnBrk="1" latinLnBrk="0" hangingPunct="1">
+              <a:lnSpc>
+                <a:spcPct val="90000"/>
+              </a:lnSpc>
+              <a:spcBef>
+                <a:spcPts val="500"/>
+              </a:spcBef>
+              <a:buFont typeface="Arial" panose="020B0604020202020204" pitchFamily="34" charset="0"/>
+              <a:buChar char="•"/>
+              <a:defRPr sz="1800" kern="1200">
+                <a:solidFill>
+                  <a:schemeClr val="tx1"/>
+                </a:solidFill>
+                <a:latin typeface="+mn-lt"/>
+                <a:ea typeface="+mn-ea"/>
+                <a:cs typeface="+mn-cs"/>
+              </a:defRPr>
+            </a:lvl7pPr>
+            <a:lvl8pPr marL="3429000" indent="-228600" algn="l" defTabSz="914400" rtl="0" eaLnBrk="1" latinLnBrk="0" hangingPunct="1">
+              <a:lnSpc>
+                <a:spcPct val="90000"/>
+              </a:lnSpc>
+              <a:spcBef>
+                <a:spcPts val="500"/>
+              </a:spcBef>
+              <a:buFont typeface="Arial" panose="020B0604020202020204" pitchFamily="34" charset="0"/>
+              <a:buChar char="•"/>
+              <a:defRPr sz="1800" kern="1200">
+                <a:solidFill>
+                  <a:schemeClr val="tx1"/>
+                </a:solidFill>
+                <a:latin typeface="+mn-lt"/>
+                <a:ea typeface="+mn-ea"/>
+                <a:cs typeface="+mn-cs"/>
+              </a:defRPr>
+            </a:lvl8pPr>
+            <a:lvl9pPr marL="3886200" indent="-228600" algn="l" defTabSz="914400" rtl="0" eaLnBrk="1" latinLnBrk="0" hangingPunct="1">
+              <a:lnSpc>
+                <a:spcPct val="90000"/>
+              </a:lnSpc>
+              <a:spcBef>
+                <a:spcPts val="500"/>
+              </a:spcBef>
+              <a:buFont typeface="Arial" panose="020B0604020202020204" pitchFamily="34" charset="0"/>
+              <a:buChar char="•"/>
+              <a:defRPr sz="1800" kern="1200">
+                <a:solidFill>
+                  <a:schemeClr val="tx1"/>
+                </a:solidFill>
+                <a:latin typeface="+mn-lt"/>
+                <a:ea typeface="+mn-ea"/>
+                <a:cs typeface="+mn-cs"/>
+              </a:defRPr>
+            </a:lvl9pPr>
+          </a:lstStyle>
+          <a:p>
+            <a:pPr marL="0" indent="0" algn="ctr">
+              <a:buNone/>
+            </a:pPr>
+            <a:r>
+              <a:rPr lang="en-US" sz="1700" dirty="0"/>
+              <a:t>7</a:t>
+            </a:r>
+            <a:r>
+              <a:rPr lang="en-US" sz="1700" dirty="0" smtClean="0"/>
+              <a:t> pav. Paieškos puslapio išdėstymas</a:t>
+            </a:r>
+            <a:endParaRPr lang="lt-LT" sz="1700" dirty="0"/>
           </a:p>
         </p:txBody>
       </p:sp>
     </p:spTree>
     <p:extLst>
       <p:ext uri="{BB962C8B-B14F-4D97-AF65-F5344CB8AC3E}">
-        <p14:creationId xmlns:p14="http://schemas.microsoft.com/office/powerpoint/2010/main" val="3875170469"/>
+        <p14:creationId xmlns:p14="http://schemas.microsoft.com/office/powerpoint/2010/main" val="3699789151"/>
       </p:ext>
     </p:extLst>
   </p:cSld>
   <p:clrMapOvr>
     <a:masterClrMapping/>
   </p:clrMapOvr>
+</p:sld>
+</file>
+
+<file path=ppt/slides/slide9.xml><?xml version="1.0" encoding="utf-8"?>
+<p:sld xmlns:a="http://schemas.openxmlformats.org/drawingml/2006/main" xmlns:r="http://schemas.openxmlformats.org/officeDocument/2006/relationships" xmlns:p="http://schemas.openxmlformats.org/presentationml/2006/main">
+  <p:cSld>
+    <p:spTree>
+      <p:nvGrpSpPr>
+        <p:cNvPr id="1" name=""/>
+        <p:cNvGrpSpPr/>
+        <p:nvPr/>
+      </p:nvGrpSpPr>
+      <p:grpSpPr>
+        <a:xfrm>
+          <a:off x="0" y="0"/>
+          <a:ext cx="0" cy="0"/>
+          <a:chOff x="0" y="0"/>
+          <a:chExt cx="0" cy="0"/>
+        </a:xfrm>
+      </p:grpSpPr>
+      <p:sp>
+        <p:nvSpPr>
+          <p:cNvPr id="2" name="Title 1"/>
+          <p:cNvSpPr>
+            <a:spLocks noGrp="1"/>
+          </p:cNvSpPr>
+          <p:nvPr>
+            <p:ph type="title"/>
+          </p:nvPr>
+        </p:nvSpPr>
+        <p:spPr/>
+        <p:txBody>
+          <a:bodyPr/>
+          <a:lstStyle/>
+          <a:p>
+            <a:r>
+              <a:rPr lang="en-US" dirty="0" smtClean="0"/>
+              <a:t>Navigacijos meniu projektavimas</a:t>
+            </a:r>
+            <a:endParaRPr lang="lt-LT" dirty="0"/>
+          </a:p>
+        </p:txBody>
+      </p:sp>
+      <p:pic>
+        <p:nvPicPr>
+          <p:cNvPr id="4" name="Content Placeholder 3"/>
+          <p:cNvPicPr>
+            <a:picLocks noGrp="1" noChangeAspect="1"/>
+          </p:cNvPicPr>
+          <p:nvPr>
+            <p:ph idx="1"/>
+          </p:nvPr>
+        </p:nvPicPr>
+        <p:blipFill>
+          <a:blip r:embed="rId2">
+            <a:extLst>
+              <a:ext uri="{28A0092B-C50C-407E-A947-70E740481C1C}">
+                <a14:useLocalDpi xmlns:a14="http://schemas.microsoft.com/office/drawing/2010/main" val="0"/>
+              </a:ext>
+            </a:extLst>
+          </a:blip>
+          <a:stretch>
+            <a:fillRect/>
+          </a:stretch>
+        </p:blipFill>
+        <p:spPr>
+          <a:xfrm>
+            <a:off x="1597324" y="1685270"/>
+            <a:ext cx="3559806" cy="4690089"/>
+          </a:xfrm>
+        </p:spPr>
+      </p:pic>
+      <p:pic>
+        <p:nvPicPr>
+          <p:cNvPr id="5" name="Picture 4"/>
+          <p:cNvPicPr>
+            <a:picLocks noChangeAspect="1"/>
+          </p:cNvPicPr>
+          <p:nvPr/>
+        </p:nvPicPr>
+        <p:blipFill>
+          <a:blip r:embed="rId3">
+            <a:extLst>
+              <a:ext uri="{28A0092B-C50C-407E-A947-70E740481C1C}">
+                <a14:useLocalDpi xmlns:a14="http://schemas.microsoft.com/office/drawing/2010/main" val="0"/>
+              </a:ext>
+            </a:extLst>
+          </a:blip>
+          <a:stretch>
+            <a:fillRect/>
+          </a:stretch>
+        </p:blipFill>
+        <p:spPr>
+          <a:xfrm>
+            <a:off x="7246189" y="1685271"/>
+            <a:ext cx="2648309" cy="4690089"/>
+          </a:xfrm>
+          <a:prstGeom prst="rect">
+            <a:avLst/>
+          </a:prstGeom>
+        </p:spPr>
+      </p:pic>
+      <p:sp>
+        <p:nvSpPr>
+          <p:cNvPr id="6" name="Content Placeholder 2"/>
+          <p:cNvSpPr txBox="1">
+            <a:spLocks/>
+          </p:cNvSpPr>
+          <p:nvPr/>
+        </p:nvSpPr>
+        <p:spPr>
+          <a:xfrm>
+            <a:off x="673809" y="6375359"/>
+            <a:ext cx="5406835" cy="477628"/>
+          </a:xfrm>
+          <a:prstGeom prst="rect">
+            <a:avLst/>
+          </a:prstGeom>
+        </p:spPr>
+        <p:txBody>
+          <a:bodyPr vert="horz" lIns="91440" tIns="45720" rIns="91440" bIns="45720" rtlCol="0">
+            <a:normAutofit/>
+          </a:bodyPr>
+          <a:lstStyle>
+            <a:lvl1pPr marL="228600" indent="-228600" algn="l" defTabSz="914400" rtl="0" eaLnBrk="1" latinLnBrk="0" hangingPunct="1">
+              <a:lnSpc>
+                <a:spcPct val="90000"/>
+              </a:lnSpc>
+              <a:spcBef>
+                <a:spcPts val="1000"/>
+              </a:spcBef>
+              <a:buFont typeface="Arial" panose="020B0604020202020204" pitchFamily="34" charset="0"/>
+              <a:buChar char="•"/>
+              <a:defRPr sz="2800" kern="1200">
+                <a:solidFill>
+                  <a:schemeClr val="tx1"/>
+                </a:solidFill>
+                <a:latin typeface="+mn-lt"/>
+                <a:ea typeface="+mn-ea"/>
+                <a:cs typeface="+mn-cs"/>
+              </a:defRPr>
+            </a:lvl1pPr>
+            <a:lvl2pPr marL="685800" indent="-228600" algn="l" defTabSz="914400" rtl="0" eaLnBrk="1" latinLnBrk="0" hangingPunct="1">
+              <a:lnSpc>
+                <a:spcPct val="90000"/>
+              </a:lnSpc>
+              <a:spcBef>
+                <a:spcPts val="500"/>
+              </a:spcBef>
+              <a:buFont typeface="Arial" panose="020B0604020202020204" pitchFamily="34" charset="0"/>
+              <a:buChar char="•"/>
+              <a:defRPr sz="2400" kern="1200">
+                <a:solidFill>
+                  <a:schemeClr val="tx1"/>
+                </a:solidFill>
+                <a:latin typeface="+mn-lt"/>
+                <a:ea typeface="+mn-ea"/>
+                <a:cs typeface="+mn-cs"/>
+              </a:defRPr>
+            </a:lvl2pPr>
+            <a:lvl3pPr marL="1143000" indent="-228600" algn="l" defTabSz="914400" rtl="0" eaLnBrk="1" latinLnBrk="0" hangingPunct="1">
+              <a:lnSpc>
+                <a:spcPct val="90000"/>
+              </a:lnSpc>
+              <a:spcBef>
+                <a:spcPts val="500"/>
+              </a:spcBef>
+              <a:buFont typeface="Arial" panose="020B0604020202020204" pitchFamily="34" charset="0"/>
+              <a:buChar char="•"/>
+              <a:defRPr sz="2000" kern="1200">
+                <a:solidFill>
+                  <a:schemeClr val="tx1"/>
+                </a:solidFill>
+                <a:latin typeface="+mn-lt"/>
+                <a:ea typeface="+mn-ea"/>
+                <a:cs typeface="+mn-cs"/>
+              </a:defRPr>
+            </a:lvl3pPr>
+            <a:lvl4pPr marL="1600200" indent="-228600" algn="l" defTabSz="914400" rtl="0" eaLnBrk="1" latinLnBrk="0" hangingPunct="1">
+              <a:lnSpc>
+                <a:spcPct val="90000"/>
+              </a:lnSpc>
+              <a:spcBef>
+                <a:spcPts val="500"/>
+              </a:spcBef>
+              <a:buFont typeface="Arial" panose="020B0604020202020204" pitchFamily="34" charset="0"/>
+              <a:buChar char="•"/>
+              <a:defRPr sz="1800" kern="1200">
+                <a:solidFill>
+                  <a:schemeClr val="tx1"/>
+                </a:solidFill>
+                <a:latin typeface="+mn-lt"/>
+                <a:ea typeface="+mn-ea"/>
+                <a:cs typeface="+mn-cs"/>
+              </a:defRPr>
+            </a:lvl4pPr>
+            <a:lvl5pPr marL="2057400" indent="-228600" algn="l" defTabSz="914400" rtl="0" eaLnBrk="1" latinLnBrk="0" hangingPunct="1">
+              <a:lnSpc>
+                <a:spcPct val="90000"/>
+              </a:lnSpc>
+              <a:spcBef>
+                <a:spcPts val="500"/>
+              </a:spcBef>
+              <a:buFont typeface="Arial" panose="020B0604020202020204" pitchFamily="34" charset="0"/>
+              <a:buChar char="•"/>
+              <a:defRPr sz="1800" kern="1200">
+                <a:solidFill>
+                  <a:schemeClr val="tx1"/>
+                </a:solidFill>
+                <a:latin typeface="+mn-lt"/>
+                <a:ea typeface="+mn-ea"/>
+                <a:cs typeface="+mn-cs"/>
+              </a:defRPr>
+            </a:lvl5pPr>
+            <a:lvl6pPr marL="2514600" indent="-228600" algn="l" defTabSz="914400" rtl="0" eaLnBrk="1" latinLnBrk="0" hangingPunct="1">
+              <a:lnSpc>
+                <a:spcPct val="90000"/>
+              </a:lnSpc>
+              <a:spcBef>
+                <a:spcPts val="500"/>
+              </a:spcBef>
+              <a:buFont typeface="Arial" panose="020B0604020202020204" pitchFamily="34" charset="0"/>
+              <a:buChar char="•"/>
+              <a:defRPr sz="1800" kern="1200">
+                <a:solidFill>
+                  <a:schemeClr val="tx1"/>
+                </a:solidFill>
+                <a:latin typeface="+mn-lt"/>
+                <a:ea typeface="+mn-ea"/>
+                <a:cs typeface="+mn-cs"/>
+              </a:defRPr>
+            </a:lvl6pPr>
+            <a:lvl7pPr marL="2971800" indent="-228600" algn="l" defTabSz="914400" rtl="0" eaLnBrk="1" latinLnBrk="0" hangingPunct="1">
+              <a:lnSpc>
+                <a:spcPct val="90000"/>
+              </a:lnSpc>
+              <a:spcBef>
+                <a:spcPts val="500"/>
+              </a:spcBef>
+              <a:buFont typeface="Arial" panose="020B0604020202020204" pitchFamily="34" charset="0"/>
+              <a:buChar char="•"/>
+              <a:defRPr sz="1800" kern="1200">
+                <a:solidFill>
+                  <a:schemeClr val="tx1"/>
+                </a:solidFill>
+                <a:latin typeface="+mn-lt"/>
+                <a:ea typeface="+mn-ea"/>
+                <a:cs typeface="+mn-cs"/>
+              </a:defRPr>
+            </a:lvl7pPr>
+            <a:lvl8pPr marL="3429000" indent="-228600" algn="l" defTabSz="914400" rtl="0" eaLnBrk="1" latinLnBrk="0" hangingPunct="1">
+              <a:lnSpc>
+                <a:spcPct val="90000"/>
+              </a:lnSpc>
+              <a:spcBef>
+                <a:spcPts val="500"/>
+              </a:spcBef>
+              <a:buFont typeface="Arial" panose="020B0604020202020204" pitchFamily="34" charset="0"/>
+              <a:buChar char="•"/>
+              <a:defRPr sz="1800" kern="1200">
+                <a:solidFill>
+                  <a:schemeClr val="tx1"/>
+                </a:solidFill>
+                <a:latin typeface="+mn-lt"/>
+                <a:ea typeface="+mn-ea"/>
+                <a:cs typeface="+mn-cs"/>
+              </a:defRPr>
+            </a:lvl8pPr>
+            <a:lvl9pPr marL="3886200" indent="-228600" algn="l" defTabSz="914400" rtl="0" eaLnBrk="1" latinLnBrk="0" hangingPunct="1">
+              <a:lnSpc>
+                <a:spcPct val="90000"/>
+              </a:lnSpc>
+              <a:spcBef>
+                <a:spcPts val="500"/>
+              </a:spcBef>
+              <a:buFont typeface="Arial" panose="020B0604020202020204" pitchFamily="34" charset="0"/>
+              <a:buChar char="•"/>
+              <a:defRPr sz="1800" kern="1200">
+                <a:solidFill>
+                  <a:schemeClr val="tx1"/>
+                </a:solidFill>
+                <a:latin typeface="+mn-lt"/>
+                <a:ea typeface="+mn-ea"/>
+                <a:cs typeface="+mn-cs"/>
+              </a:defRPr>
+            </a:lvl9pPr>
+          </a:lstStyle>
+          <a:p>
+            <a:pPr marL="0" indent="0" algn="ctr">
+              <a:buNone/>
+            </a:pPr>
+            <a:r>
+              <a:rPr lang="en-US" sz="2000" dirty="0"/>
+              <a:t>8</a:t>
+            </a:r>
+            <a:r>
+              <a:rPr lang="en-US" sz="2000" dirty="0" smtClean="0"/>
+              <a:t> pav. Dabartinio navigacijos meniu diagrama</a:t>
+            </a:r>
+            <a:endParaRPr lang="lt-LT" sz="2000" dirty="0"/>
+          </a:p>
+        </p:txBody>
+      </p:sp>
+      <p:sp>
+        <p:nvSpPr>
+          <p:cNvPr id="7" name="Content Placeholder 2"/>
+          <p:cNvSpPr txBox="1">
+            <a:spLocks/>
+          </p:cNvSpPr>
+          <p:nvPr/>
+        </p:nvSpPr>
+        <p:spPr>
+          <a:xfrm>
+            <a:off x="5866925" y="6375359"/>
+            <a:ext cx="5406835" cy="477628"/>
+          </a:xfrm>
+          <a:prstGeom prst="rect">
+            <a:avLst/>
+          </a:prstGeom>
+        </p:spPr>
+        <p:txBody>
+          <a:bodyPr vert="horz" lIns="91440" tIns="45720" rIns="91440" bIns="45720" rtlCol="0">
+            <a:normAutofit/>
+          </a:bodyPr>
+          <a:lstStyle>
+            <a:lvl1pPr marL="228600" indent="-228600" algn="l" defTabSz="914400" rtl="0" eaLnBrk="1" latinLnBrk="0" hangingPunct="1">
+              <a:lnSpc>
+                <a:spcPct val="90000"/>
+              </a:lnSpc>
+              <a:spcBef>
+                <a:spcPts val="1000"/>
+              </a:spcBef>
+              <a:buFont typeface="Arial" panose="020B0604020202020204" pitchFamily="34" charset="0"/>
+              <a:buChar char="•"/>
+              <a:defRPr sz="2800" kern="1200">
+                <a:solidFill>
+                  <a:schemeClr val="tx1"/>
+                </a:solidFill>
+                <a:latin typeface="+mn-lt"/>
+                <a:ea typeface="+mn-ea"/>
+                <a:cs typeface="+mn-cs"/>
+              </a:defRPr>
+            </a:lvl1pPr>
+            <a:lvl2pPr marL="685800" indent="-228600" algn="l" defTabSz="914400" rtl="0" eaLnBrk="1" latinLnBrk="0" hangingPunct="1">
+              <a:lnSpc>
+                <a:spcPct val="90000"/>
+              </a:lnSpc>
+              <a:spcBef>
+                <a:spcPts val="500"/>
+              </a:spcBef>
+              <a:buFont typeface="Arial" panose="020B0604020202020204" pitchFamily="34" charset="0"/>
+              <a:buChar char="•"/>
+              <a:defRPr sz="2400" kern="1200">
+                <a:solidFill>
+                  <a:schemeClr val="tx1"/>
+                </a:solidFill>
+                <a:latin typeface="+mn-lt"/>
+                <a:ea typeface="+mn-ea"/>
+                <a:cs typeface="+mn-cs"/>
+              </a:defRPr>
+            </a:lvl2pPr>
+            <a:lvl3pPr marL="1143000" indent="-228600" algn="l" defTabSz="914400" rtl="0" eaLnBrk="1" latinLnBrk="0" hangingPunct="1">
+              <a:lnSpc>
+                <a:spcPct val="90000"/>
+              </a:lnSpc>
+              <a:spcBef>
+                <a:spcPts val="500"/>
+              </a:spcBef>
+              <a:buFont typeface="Arial" panose="020B0604020202020204" pitchFamily="34" charset="0"/>
+              <a:buChar char="•"/>
+              <a:defRPr sz="2000" kern="1200">
+                <a:solidFill>
+                  <a:schemeClr val="tx1"/>
+                </a:solidFill>
+                <a:latin typeface="+mn-lt"/>
+                <a:ea typeface="+mn-ea"/>
+                <a:cs typeface="+mn-cs"/>
+              </a:defRPr>
+            </a:lvl3pPr>
+            <a:lvl4pPr marL="1600200" indent="-228600" algn="l" defTabSz="914400" rtl="0" eaLnBrk="1" latinLnBrk="0" hangingPunct="1">
+              <a:lnSpc>
+                <a:spcPct val="90000"/>
+              </a:lnSpc>
+              <a:spcBef>
+                <a:spcPts val="500"/>
+              </a:spcBef>
+              <a:buFont typeface="Arial" panose="020B0604020202020204" pitchFamily="34" charset="0"/>
+              <a:buChar char="•"/>
+              <a:defRPr sz="1800" kern="1200">
+                <a:solidFill>
+                  <a:schemeClr val="tx1"/>
+                </a:solidFill>
+                <a:latin typeface="+mn-lt"/>
+                <a:ea typeface="+mn-ea"/>
+                <a:cs typeface="+mn-cs"/>
+              </a:defRPr>
+            </a:lvl4pPr>
+            <a:lvl5pPr marL="2057400" indent="-228600" algn="l" defTabSz="914400" rtl="0" eaLnBrk="1" latinLnBrk="0" hangingPunct="1">
+              <a:lnSpc>
+                <a:spcPct val="90000"/>
+              </a:lnSpc>
+              <a:spcBef>
+                <a:spcPts val="500"/>
+              </a:spcBef>
+              <a:buFont typeface="Arial" panose="020B0604020202020204" pitchFamily="34" charset="0"/>
+              <a:buChar char="•"/>
+              <a:defRPr sz="1800" kern="1200">
+                <a:solidFill>
+                  <a:schemeClr val="tx1"/>
+                </a:solidFill>
+                <a:latin typeface="+mn-lt"/>
+                <a:ea typeface="+mn-ea"/>
+                <a:cs typeface="+mn-cs"/>
+              </a:defRPr>
+            </a:lvl5pPr>
+            <a:lvl6pPr marL="2514600" indent="-228600" algn="l" defTabSz="914400" rtl="0" eaLnBrk="1" latinLnBrk="0" hangingPunct="1">
+              <a:lnSpc>
+                <a:spcPct val="90000"/>
+              </a:lnSpc>
+              <a:spcBef>
+                <a:spcPts val="500"/>
+              </a:spcBef>
+              <a:buFont typeface="Arial" panose="020B0604020202020204" pitchFamily="34" charset="0"/>
+              <a:buChar char="•"/>
+              <a:defRPr sz="1800" kern="1200">
+                <a:solidFill>
+                  <a:schemeClr val="tx1"/>
+                </a:solidFill>
+                <a:latin typeface="+mn-lt"/>
+                <a:ea typeface="+mn-ea"/>
+                <a:cs typeface="+mn-cs"/>
+              </a:defRPr>
+            </a:lvl6pPr>
+            <a:lvl7pPr marL="2971800" indent="-228600" algn="l" defTabSz="914400" rtl="0" eaLnBrk="1" latinLnBrk="0" hangingPunct="1">
+              <a:lnSpc>
+                <a:spcPct val="90000"/>
+              </a:lnSpc>
+              <a:spcBef>
+                <a:spcPts val="500"/>
+              </a:spcBef>
+              <a:buFont typeface="Arial" panose="020B0604020202020204" pitchFamily="34" charset="0"/>
+              <a:buChar char="•"/>
+              <a:defRPr sz="1800" kern="1200">
+                <a:solidFill>
+                  <a:schemeClr val="tx1"/>
+                </a:solidFill>
+                <a:latin typeface="+mn-lt"/>
+                <a:ea typeface="+mn-ea"/>
+                <a:cs typeface="+mn-cs"/>
+              </a:defRPr>
+            </a:lvl7pPr>
+            <a:lvl8pPr marL="3429000" indent="-228600" algn="l" defTabSz="914400" rtl="0" eaLnBrk="1" latinLnBrk="0" hangingPunct="1">
+              <a:lnSpc>
+                <a:spcPct val="90000"/>
+              </a:lnSpc>
+              <a:spcBef>
+                <a:spcPts val="500"/>
+              </a:spcBef>
+              <a:buFont typeface="Arial" panose="020B0604020202020204" pitchFamily="34" charset="0"/>
+              <a:buChar char="•"/>
+              <a:defRPr sz="1800" kern="1200">
+                <a:solidFill>
+                  <a:schemeClr val="tx1"/>
+                </a:solidFill>
+                <a:latin typeface="+mn-lt"/>
+                <a:ea typeface="+mn-ea"/>
+                <a:cs typeface="+mn-cs"/>
+              </a:defRPr>
+            </a:lvl8pPr>
+            <a:lvl9pPr marL="3886200" indent="-228600" algn="l" defTabSz="914400" rtl="0" eaLnBrk="1" latinLnBrk="0" hangingPunct="1">
+              <a:lnSpc>
+                <a:spcPct val="90000"/>
+              </a:lnSpc>
+              <a:spcBef>
+                <a:spcPts val="500"/>
+              </a:spcBef>
+              <a:buFont typeface="Arial" panose="020B0604020202020204" pitchFamily="34" charset="0"/>
+              <a:buChar char="•"/>
+              <a:defRPr sz="1800" kern="1200">
+                <a:solidFill>
+                  <a:schemeClr val="tx1"/>
+                </a:solidFill>
+                <a:latin typeface="+mn-lt"/>
+                <a:ea typeface="+mn-ea"/>
+                <a:cs typeface="+mn-cs"/>
+              </a:defRPr>
+            </a:lvl9pPr>
+          </a:lstStyle>
+          <a:p>
+            <a:pPr marL="0" indent="0" algn="ctr">
+              <a:buNone/>
+            </a:pPr>
+            <a:r>
+              <a:rPr lang="en-US" sz="2000" dirty="0"/>
+              <a:t>9</a:t>
+            </a:r>
+            <a:r>
+              <a:rPr lang="en-US" sz="2000" dirty="0" smtClean="0"/>
+              <a:t> pav. Pakeisto navigacijos meniu diagrama</a:t>
+            </a:r>
+            <a:endParaRPr lang="lt-LT" sz="2000" dirty="0"/>
+          </a:p>
+        </p:txBody>
+      </p:sp>
+    </p:spTree>
+    <p:extLst>
+      <p:ext uri="{BB962C8B-B14F-4D97-AF65-F5344CB8AC3E}">
+        <p14:creationId xmlns:p14="http://schemas.microsoft.com/office/powerpoint/2010/main" val="3325406128"/>
+      </p:ext>
+    </p:extLst>
+  </p:cSld>
+  <p:clrMapOvr>
+    <a:masterClrMapping/>
+  </p:clrMapOvr>
+  <p:timing>
+    <p:tnLst>
+      <p:par>
+        <p:cTn id="1" dur="indefinite" restart="never" nodeType="tmRoot"/>
+      </p:par>
+    </p:tnLst>
+  </p:timing>
 </p:sld>
 </file>
 
